--- a/template-bofa.pptx
+++ b/template-bofa.pptx
@@ -2,7 +2,7 @@
 <file path=ppt/presentation.xml><?xml version="1.0" encoding="utf-8"?>
 <p:presentation xmlns:a="http://schemas.openxmlformats.org/drawingml/2006/main" xmlns:r="http://schemas.openxmlformats.org/officeDocument/2006/relationships" xmlns:p="http://schemas.openxmlformats.org/presentationml/2006/main" saveSubsetFonts="1">
   <p:sldMasterIdLst>
-    <p:sldMasterId id="2147483672" r:id="rId1"/>
+    <p:sldMasterId id="2147483684" r:id="rId1"/>
   </p:sldMasterIdLst>
   <p:notesMasterIdLst>
     <p:notesMasterId r:id="rId3"/>
@@ -10,7 +10,7 @@
   <p:sldIdLst>
     <p:sldId id="256" r:id="rId2"/>
   </p:sldIdLst>
-  <p:sldSz cx="10067925" cy="7772400"/>
+  <p:sldSz cx="10067925" cy="7543800"/>
   <p:notesSz cx="6858000" cy="9144000"/>
   <p:defaultTextStyle>
     <a:defPPr>
@@ -197,7 +197,7 @@
           <a:p>
             <a:fld id="{CC3AD12C-9F34-4086-BC49-03E04A3FD7E1}" type="datetimeFigureOut">
               <a:rPr lang="en-US" smtClean="0"/>
-              <a:t>6/27/23</a:t>
+              <a:t>6/28/23</a:t>
             </a:fld>
             <a:endParaRPr lang="en-US"/>
           </a:p>
@@ -215,8 +215,8 @@
         </p:nvSpPr>
         <p:spPr>
           <a:xfrm>
-            <a:off x="1430338" y="1143000"/>
-            <a:ext cx="3997325" cy="3086100"/>
+            <a:off x="1370013" y="1143000"/>
+            <a:ext cx="4117975" cy="3086100"/>
           </a:xfrm>
           <a:prstGeom prst="rect">
             <a:avLst/>
@@ -493,23 +493,27 @@
         </p:nvSpPr>
         <p:spPr>
           <a:xfrm>
-            <a:off x="755095" y="1272011"/>
-            <a:ext cx="8557736" cy="2705947"/>
+            <a:off x="356616" y="1261872"/>
+            <a:ext cx="9354312" cy="722376"/>
           </a:xfrm>
         </p:spPr>
         <p:txBody>
-          <a:bodyPr anchor="b"/>
+          <a:bodyPr anchor="ctr">
+            <a:noAutofit/>
+          </a:bodyPr>
           <a:lstStyle>
-            <a:lvl1pPr algn="ctr">
-              <a:defRPr sz="6606"/>
+            <a:lvl1pPr algn="l">
+              <a:defRPr sz="4800" b="0">
+                <a:latin typeface="Calibri" panose="020F0502020204030204" pitchFamily="34" charset="0"/>
+                <a:cs typeface="Calibri" panose="020F0502020204030204" pitchFamily="34" charset="0"/>
+              </a:defRPr>
             </a:lvl1pPr>
           </a:lstStyle>
           <a:p>
             <a:r>
-              <a:rPr lang="en-US"/>
+              <a:rPr lang="en-US" dirty="0"/>
               <a:t>Click to edit Master title style</a:t>
             </a:r>
-            <a:endParaRPr lang="en-US" dirty="0"/>
           </a:p>
         </p:txBody>
       </p:sp>
@@ -525,59 +529,179 @@
         </p:nvSpPr>
         <p:spPr>
           <a:xfrm>
-            <a:off x="1258491" y="4082310"/>
-            <a:ext cx="7550944" cy="1876530"/>
+            <a:off x="356616" y="2139696"/>
+            <a:ext cx="9354312" cy="356616"/>
           </a:xfrm>
         </p:spPr>
         <p:txBody>
-          <a:bodyPr/>
+          <a:bodyPr anchor="ctr">
+            <a:noAutofit/>
+          </a:bodyPr>
           <a:lstStyle>
-            <a:lvl1pPr marL="0" indent="0" algn="ctr">
-              <a:buNone/>
-              <a:defRPr sz="2642"/>
+            <a:lvl1pPr marL="0" indent="0" algn="l">
+              <a:buNone/>
+              <a:defRPr sz="2400"/>
             </a:lvl1pPr>
-            <a:lvl2pPr marL="503377" indent="0" algn="ctr">
-              <a:buNone/>
-              <a:defRPr sz="2202"/>
+            <a:lvl2pPr marL="502920" indent="0" algn="ctr">
+              <a:buNone/>
+              <a:defRPr sz="2200"/>
             </a:lvl2pPr>
-            <a:lvl3pPr marL="1006754" indent="0" algn="ctr">
-              <a:buNone/>
-              <a:defRPr sz="1982"/>
+            <a:lvl3pPr marL="1005840" indent="0" algn="ctr">
+              <a:buNone/>
+              <a:defRPr sz="1980"/>
             </a:lvl3pPr>
-            <a:lvl4pPr marL="1510132" indent="0" algn="ctr">
-              <a:buNone/>
-              <a:defRPr sz="1762"/>
+            <a:lvl4pPr marL="1508760" indent="0" algn="ctr">
+              <a:buNone/>
+              <a:defRPr sz="1760"/>
             </a:lvl4pPr>
-            <a:lvl5pPr marL="2013509" indent="0" algn="ctr">
-              <a:buNone/>
-              <a:defRPr sz="1762"/>
+            <a:lvl5pPr marL="2011680" indent="0" algn="ctr">
+              <a:buNone/>
+              <a:defRPr sz="1760"/>
             </a:lvl5pPr>
-            <a:lvl6pPr marL="2516886" indent="0" algn="ctr">
-              <a:buNone/>
-              <a:defRPr sz="1762"/>
+            <a:lvl6pPr marL="2514600" indent="0" algn="ctr">
+              <a:buNone/>
+              <a:defRPr sz="1760"/>
             </a:lvl6pPr>
-            <a:lvl7pPr marL="3020263" indent="0" algn="ctr">
-              <a:buNone/>
-              <a:defRPr sz="1762"/>
+            <a:lvl7pPr marL="3017520" indent="0" algn="ctr">
+              <a:buNone/>
+              <a:defRPr sz="1760"/>
             </a:lvl7pPr>
-            <a:lvl8pPr marL="3523640" indent="0" algn="ctr">
-              <a:buNone/>
-              <a:defRPr sz="1762"/>
+            <a:lvl8pPr marL="3520440" indent="0" algn="ctr">
+              <a:buNone/>
+              <a:defRPr sz="1760"/>
             </a:lvl8pPr>
-            <a:lvl9pPr marL="4027018" indent="0" algn="ctr">
-              <a:buNone/>
-              <a:defRPr sz="1762"/>
+            <a:lvl9pPr marL="4023360" indent="0" algn="ctr">
+              <a:buNone/>
+              <a:defRPr sz="1760"/>
             </a:lvl9pPr>
           </a:lstStyle>
           <a:p>
             <a:r>
-              <a:rPr lang="en-US"/>
+              <a:rPr lang="en-US" dirty="0"/>
               <a:t>Click to edit Master subtitle style</a:t>
             </a:r>
-            <a:endParaRPr lang="en-US" dirty="0"/>
-          </a:p>
-        </p:txBody>
-      </p:sp>
+          </a:p>
+        </p:txBody>
+      </p:sp>
+      <p:pic>
+        <p:nvPicPr>
+          <p:cNvPr id="7" name="Picture 6">
+            <a:extLst>
+              <a:ext uri="{FF2B5EF4-FFF2-40B4-BE49-F238E27FC236}">
+                <a16:creationId xmlns:a16="http://schemas.microsoft.com/office/drawing/2014/main" id="{F2262B54-817E-FA07-354A-2206A17060F4}"/>
+              </a:ext>
+            </a:extLst>
+          </p:cNvPr>
+          <p:cNvPicPr>
+            <a:picLocks/>
+          </p:cNvPicPr>
+          <p:nvPr userDrawn="1"/>
+        </p:nvPicPr>
+        <p:blipFill>
+          <a:blip r:embed="rId2">
+            <a:extLst>
+              <a:ext uri="{28A0092B-C50C-407E-A947-70E740481C1C}">
+                <a14:useLocalDpi xmlns:a14="http://schemas.microsoft.com/office/drawing/2010/main" val="0"/>
+              </a:ext>
+            </a:extLst>
+          </a:blip>
+          <a:stretch>
+            <a:fillRect/>
+          </a:stretch>
+        </p:blipFill>
+        <p:spPr>
+          <a:xfrm>
+            <a:off x="0" y="4882896"/>
+            <a:ext cx="10067544" cy="1161288"/>
+          </a:xfrm>
+          <a:prstGeom prst="rect">
+            <a:avLst/>
+          </a:prstGeom>
+        </p:spPr>
+      </p:pic>
+      <p:pic>
+        <p:nvPicPr>
+          <p:cNvPr id="8" name="Picture 7">
+            <a:extLst>
+              <a:ext uri="{FF2B5EF4-FFF2-40B4-BE49-F238E27FC236}">
+                <a16:creationId xmlns:a16="http://schemas.microsoft.com/office/drawing/2014/main" id="{EAEE2D44-18B9-56A1-AF9D-862B1CDFF31B}"/>
+              </a:ext>
+            </a:extLst>
+          </p:cNvPr>
+          <p:cNvPicPr>
+            <a:picLocks noChangeAspect="1"/>
+          </p:cNvPicPr>
+          <p:nvPr userDrawn="1"/>
+        </p:nvPicPr>
+        <p:blipFill>
+          <a:blip r:embed="rId3">
+            <a:extLst>
+              <a:ext uri="{28A0092B-C50C-407E-A947-70E740481C1C}">
+                <a14:useLocalDpi xmlns:a14="http://schemas.microsoft.com/office/drawing/2010/main" val="0"/>
+              </a:ext>
+            </a:extLst>
+          </a:blip>
+          <a:stretch>
+            <a:fillRect/>
+          </a:stretch>
+        </p:blipFill>
+        <p:spPr>
+          <a:xfrm>
+            <a:off x="356616" y="6665976"/>
+            <a:ext cx="2081015" cy="512064"/>
+          </a:xfrm>
+          <a:prstGeom prst="rect">
+            <a:avLst/>
+          </a:prstGeom>
+        </p:spPr>
+      </p:pic>
+      <p:pic>
+        <p:nvPicPr>
+          <p:cNvPr id="10" name="Picture 9" descr="VCU Logo">
+            <a:extLst>
+              <a:ext uri="{FF2B5EF4-FFF2-40B4-BE49-F238E27FC236}">
+                <a16:creationId xmlns:a16="http://schemas.microsoft.com/office/drawing/2014/main" id="{A6BDA1AB-92FB-1F46-6BF7-6A3723113A70}"/>
+              </a:ext>
+            </a:extLst>
+          </p:cNvPr>
+          <p:cNvPicPr>
+            <a:picLocks noChangeAspect="1" noChangeArrowheads="1"/>
+          </p:cNvPicPr>
+          <p:nvPr userDrawn="1"/>
+        </p:nvPicPr>
+        <p:blipFill>
+          <a:blip r:embed="rId4">
+            <a:extLst>
+              <a:ext uri="{28A0092B-C50C-407E-A947-70E740481C1C}">
+                <a14:useLocalDpi xmlns:a14="http://schemas.microsoft.com/office/drawing/2010/main" val="0"/>
+              </a:ext>
+            </a:extLst>
+          </a:blip>
+          <a:srcRect/>
+          <a:stretch>
+            <a:fillRect/>
+          </a:stretch>
+        </p:blipFill>
+        <p:spPr bwMode="auto">
+          <a:xfrm>
+            <a:off x="7430799" y="6300216"/>
+            <a:ext cx="2214080" cy="1208790"/>
+          </a:xfrm>
+          <a:prstGeom prst="rect">
+            <a:avLst/>
+          </a:prstGeom>
+          <a:noFill/>
+          <a:extLst>
+            <a:ext uri="{909E8E84-426E-40DD-AFC4-6F175D3DCCD1}">
+              <a14:hiddenFill xmlns:a14="http://schemas.microsoft.com/office/drawing/2010/main">
+                <a:solidFill>
+                  <a:srgbClr val="FFFFFF"/>
+                </a:solidFill>
+              </a14:hiddenFill>
+            </a:ext>
+          </a:extLst>
+        </p:spPr>
+      </p:pic>
       <p:sp>
         <p:nvSpPr>
           <p:cNvPr id="4" name="Date Placeholder 3"/>
@@ -595,10 +719,9 @@
           <a:p>
             <a:fld id="{B35CD269-42B5-4067-A42B-F772DEB587E1}" type="datetimeFigureOut">
               <a:rPr lang="en-US" smtClean="0"/>
-              <a:pPr/>
-              <a:t>6/27/23</a:t>
+              <a:t>6/28/23</a:t>
             </a:fld>
-            <a:endParaRPr lang="en-US" dirty="0"/>
+            <a:endParaRPr lang="en-US"/>
           </a:p>
         </p:txBody>
       </p:sp>
@@ -647,7 +770,7 @@
     </p:spTree>
     <p:extLst>
       <p:ext uri="{BB962C8B-B14F-4D97-AF65-F5344CB8AC3E}">
-        <p14:creationId xmlns:p14="http://schemas.microsoft.com/office/powerpoint/2010/main" val="4164815646"/>
+        <p14:creationId xmlns:p14="http://schemas.microsoft.com/office/powerpoint/2010/main" val="3645923242"/>
       </p:ext>
     </p:extLst>
   </p:cSld>
@@ -766,7 +889,7 @@
           <a:p>
             <a:fld id="{B35CD269-42B5-4067-A42B-F772DEB587E1}" type="datetimeFigureOut">
               <a:rPr lang="en-US" smtClean="0"/>
-              <a:t>6/27/23</a:t>
+              <a:t>6/28/23</a:t>
             </a:fld>
             <a:endParaRPr lang="en-US"/>
           </a:p>
@@ -814,10 +937,87 @@
           </a:p>
         </p:txBody>
       </p:sp>
+      <p:cxnSp>
+        <p:nvCxnSpPr>
+          <p:cNvPr id="7" name="Straight Connector 6">
+            <a:extLst>
+              <a:ext uri="{FF2B5EF4-FFF2-40B4-BE49-F238E27FC236}">
+                <a16:creationId xmlns:a16="http://schemas.microsoft.com/office/drawing/2014/main" id="{0B38BA5A-92F2-C5FD-B121-DC4F26ED4687}"/>
+              </a:ext>
+            </a:extLst>
+          </p:cNvPr>
+          <p:cNvCxnSpPr/>
+          <p:nvPr userDrawn="1"/>
+        </p:nvCxnSpPr>
+        <p:spPr>
+          <a:xfrm>
+            <a:off x="356616" y="976256"/>
+            <a:ext cx="9345168" cy="0"/>
+          </a:xfrm>
+          <a:prstGeom prst="line">
+            <a:avLst/>
+          </a:prstGeom>
+          <a:ln w="19050">
+            <a:solidFill>
+              <a:schemeClr val="tx1"/>
+            </a:solidFill>
+          </a:ln>
+        </p:spPr>
+        <p:style>
+          <a:lnRef idx="1">
+            <a:schemeClr val="dk1"/>
+          </a:lnRef>
+          <a:fillRef idx="0">
+            <a:schemeClr val="dk1"/>
+          </a:fillRef>
+          <a:effectRef idx="0">
+            <a:schemeClr val="dk1"/>
+          </a:effectRef>
+          <a:fontRef idx="minor">
+            <a:schemeClr val="tx1"/>
+          </a:fontRef>
+        </p:style>
+      </p:cxnSp>
+      <p:pic>
+        <p:nvPicPr>
+          <p:cNvPr id="8" name="Picture 7">
+            <a:extLst>
+              <a:ext uri="{FF2B5EF4-FFF2-40B4-BE49-F238E27FC236}">
+                <a16:creationId xmlns:a16="http://schemas.microsoft.com/office/drawing/2014/main" id="{1DD45F37-D8D0-420B-F29B-C8B18ABD57D8}"/>
+              </a:ext>
+            </a:extLst>
+          </p:cNvPr>
+          <p:cNvPicPr>
+            <a:picLocks noChangeAspect="1"/>
+          </p:cNvPicPr>
+          <p:nvPr userDrawn="1"/>
+        </p:nvPicPr>
+        <p:blipFill>
+          <a:blip r:embed="rId2">
+            <a:extLst>
+              <a:ext uri="{28A0092B-C50C-407E-A947-70E740481C1C}">
+                <a14:useLocalDpi xmlns:a14="http://schemas.microsoft.com/office/drawing/2010/main" val="0"/>
+              </a:ext>
+            </a:extLst>
+          </a:blip>
+          <a:stretch>
+            <a:fillRect/>
+          </a:stretch>
+        </p:blipFill>
+        <p:spPr>
+          <a:xfrm>
+            <a:off x="8357622" y="346127"/>
+            <a:ext cx="1370585" cy="337252"/>
+          </a:xfrm>
+          <a:prstGeom prst="rect">
+            <a:avLst/>
+          </a:prstGeom>
+        </p:spPr>
+      </p:pic>
     </p:spTree>
     <p:extLst>
       <p:ext uri="{BB962C8B-B14F-4D97-AF65-F5344CB8AC3E}">
-        <p14:creationId xmlns:p14="http://schemas.microsoft.com/office/powerpoint/2010/main" val="3730567391"/>
+        <p14:creationId xmlns:p14="http://schemas.microsoft.com/office/powerpoint/2010/main" val="3513375297"/>
       </p:ext>
     </p:extLst>
   </p:cSld>
@@ -856,8 +1056,8 @@
         </p:nvSpPr>
         <p:spPr>
           <a:xfrm>
-            <a:off x="7204860" y="413808"/>
-            <a:ext cx="2170896" cy="6586750"/>
+            <a:off x="7204860" y="401637"/>
+            <a:ext cx="2170896" cy="6393022"/>
           </a:xfrm>
         </p:spPr>
         <p:txBody>
@@ -884,8 +1084,8 @@
         </p:nvSpPr>
         <p:spPr>
           <a:xfrm>
-            <a:off x="692170" y="413808"/>
-            <a:ext cx="6386840" cy="6586750"/>
+            <a:off x="692170" y="401637"/>
+            <a:ext cx="6386840" cy="6393022"/>
           </a:xfrm>
         </p:spPr>
         <p:txBody>
@@ -946,7 +1146,7 @@
           <a:p>
             <a:fld id="{B35CD269-42B5-4067-A42B-F772DEB587E1}" type="datetimeFigureOut">
               <a:rPr lang="en-US" smtClean="0"/>
-              <a:t>6/27/23</a:t>
+              <a:t>6/28/23</a:t>
             </a:fld>
             <a:endParaRPr lang="en-US"/>
           </a:p>
@@ -997,7 +1197,7 @@
     </p:spTree>
     <p:extLst>
       <p:ext uri="{BB962C8B-B14F-4D97-AF65-F5344CB8AC3E}">
-        <p14:creationId xmlns:p14="http://schemas.microsoft.com/office/powerpoint/2010/main" val="740822781"/>
+        <p14:creationId xmlns:p14="http://schemas.microsoft.com/office/powerpoint/2010/main" val="4033015783"/>
       </p:ext>
     </p:extLst>
   </p:cSld>
@@ -1040,61 +1240,61 @@
           <a:lstStyle/>
           <a:p>
             <a:r>
-              <a:rPr lang="en-US"/>
+              <a:rPr lang="en-US" dirty="0"/>
               <a:t>Click to edit Master title style</a:t>
             </a:r>
+          </a:p>
+        </p:txBody>
+      </p:sp>
+      <p:sp>
+        <p:nvSpPr>
+          <p:cNvPr id="3" name="Content Placeholder 2"/>
+          <p:cNvSpPr>
+            <a:spLocks noGrp="1"/>
+          </p:cNvSpPr>
+          <p:nvPr>
+            <p:ph idx="1"/>
+          </p:nvPr>
+        </p:nvSpPr>
+        <p:spPr/>
+        <p:txBody>
+          <a:bodyPr/>
+          <a:lstStyle/>
+          <a:p>
+            <a:pPr lvl="0"/>
+            <a:r>
+              <a:rPr lang="en-US"/>
+              <a:t>Click to edit Master text styles</a:t>
+            </a:r>
+          </a:p>
+          <a:p>
+            <a:pPr lvl="1"/>
+            <a:r>
+              <a:rPr lang="en-US"/>
+              <a:t>Second level</a:t>
+            </a:r>
+          </a:p>
+          <a:p>
+            <a:pPr lvl="2"/>
+            <a:r>
+              <a:rPr lang="en-US"/>
+              <a:t>Third level</a:t>
+            </a:r>
+          </a:p>
+          <a:p>
+            <a:pPr lvl="3"/>
+            <a:r>
+              <a:rPr lang="en-US"/>
+              <a:t>Fourth level</a:t>
+            </a:r>
+          </a:p>
+          <a:p>
+            <a:pPr lvl="4"/>
+            <a:r>
+              <a:rPr lang="en-US"/>
+              <a:t>Fifth level</a:t>
+            </a:r>
             <a:endParaRPr lang="en-US" dirty="0"/>
-          </a:p>
-        </p:txBody>
-      </p:sp>
-      <p:sp>
-        <p:nvSpPr>
-          <p:cNvPr id="3" name="Content Placeholder 2"/>
-          <p:cNvSpPr>
-            <a:spLocks noGrp="1"/>
-          </p:cNvSpPr>
-          <p:nvPr>
-            <p:ph idx="1"/>
-          </p:nvPr>
-        </p:nvSpPr>
-        <p:spPr/>
-        <p:txBody>
-          <a:bodyPr/>
-          <a:lstStyle/>
-          <a:p>
-            <a:pPr lvl="0"/>
-            <a:r>
-              <a:rPr lang="en-US" dirty="0"/>
-              <a:t>Click to edit Master text styles</a:t>
-            </a:r>
-          </a:p>
-          <a:p>
-            <a:pPr lvl="1"/>
-            <a:r>
-              <a:rPr lang="en-US" dirty="0"/>
-              <a:t>Second level</a:t>
-            </a:r>
-          </a:p>
-          <a:p>
-            <a:pPr lvl="2"/>
-            <a:r>
-              <a:rPr lang="en-US" dirty="0"/>
-              <a:t>Third level</a:t>
-            </a:r>
-          </a:p>
-          <a:p>
-            <a:pPr lvl="3"/>
-            <a:r>
-              <a:rPr lang="en-US" dirty="0"/>
-              <a:t>Fourth level</a:t>
-            </a:r>
-          </a:p>
-          <a:p>
-            <a:pPr lvl="4"/>
-            <a:r>
-              <a:rPr lang="en-US" dirty="0"/>
-              <a:t>Fifth level</a:t>
-            </a:r>
           </a:p>
         </p:txBody>
       </p:sp>
@@ -1115,7 +1315,7 @@
           <a:p>
             <a:fld id="{B35CD269-42B5-4067-A42B-F772DEB587E1}" type="datetimeFigureOut">
               <a:rPr lang="en-US" smtClean="0"/>
-              <a:t>6/27/23</a:t>
+              <a:t>6/28/23</a:t>
             </a:fld>
             <a:endParaRPr lang="en-US"/>
           </a:p>
@@ -1168,7 +1368,7 @@
           <p:cNvPr id="7" name="TextBox 6">
             <a:extLst>
               <a:ext uri="{FF2B5EF4-FFF2-40B4-BE49-F238E27FC236}">
-                <a16:creationId xmlns:a16="http://schemas.microsoft.com/office/drawing/2014/main" id="{24D4C1F2-19C6-BF74-D09D-48F6F5D6EB31}"/>
+                <a16:creationId xmlns:a16="http://schemas.microsoft.com/office/drawing/2014/main" id="{6F19325E-3554-F329-B830-57951783FE5F}"/>
               </a:ext>
             </a:extLst>
           </p:cNvPr>
@@ -1177,7 +1377,7 @@
         </p:nvSpPr>
         <p:spPr>
           <a:xfrm>
-            <a:off x="-1636037" y="2838104"/>
+            <a:off x="-1636037" y="2754630"/>
             <a:ext cx="184731" cy="401200"/>
           </a:xfrm>
           <a:prstGeom prst="rect">
@@ -1197,10 +1397,10 @@
       </p:sp>
       <p:cxnSp>
         <p:nvCxnSpPr>
-          <p:cNvPr id="13" name="Straight Connector 12">
+          <p:cNvPr id="8" name="Straight Connector 7">
             <a:extLst>
               <a:ext uri="{FF2B5EF4-FFF2-40B4-BE49-F238E27FC236}">
-                <a16:creationId xmlns:a16="http://schemas.microsoft.com/office/drawing/2014/main" id="{F9A223BC-8B2E-2911-CDDE-B35B016D1B8C}"/>
+                <a16:creationId xmlns:a16="http://schemas.microsoft.com/office/drawing/2014/main" id="{18A67529-4A8C-E345-16C6-8950B4FFD123}"/>
               </a:ext>
             </a:extLst>
           </p:cNvPr>
@@ -1209,13 +1409,17 @@
         </p:nvCxnSpPr>
         <p:spPr>
           <a:xfrm>
-            <a:off x="356616" y="1029810"/>
+            <a:off x="356616" y="976256"/>
             <a:ext cx="9345168" cy="0"/>
           </a:xfrm>
           <a:prstGeom prst="line">
             <a:avLst/>
           </a:prstGeom>
-          <a:ln w="19050"/>
+          <a:ln w="19050">
+            <a:solidFill>
+              <a:schemeClr val="tx1"/>
+            </a:solidFill>
+          </a:ln>
         </p:spPr>
         <p:style>
           <a:lnRef idx="1">
@@ -1232,10 +1436,46 @@
           </a:fontRef>
         </p:style>
       </p:cxnSp>
+      <p:pic>
+        <p:nvPicPr>
+          <p:cNvPr id="9" name="Picture 8">
+            <a:extLst>
+              <a:ext uri="{FF2B5EF4-FFF2-40B4-BE49-F238E27FC236}">
+                <a16:creationId xmlns:a16="http://schemas.microsoft.com/office/drawing/2014/main" id="{E48B3958-1B92-AE66-D4DE-3646C636DF5D}"/>
+              </a:ext>
+            </a:extLst>
+          </p:cNvPr>
+          <p:cNvPicPr>
+            <a:picLocks noChangeAspect="1"/>
+          </p:cNvPicPr>
+          <p:nvPr userDrawn="1"/>
+        </p:nvPicPr>
+        <p:blipFill>
+          <a:blip r:embed="rId2">
+            <a:extLst>
+              <a:ext uri="{28A0092B-C50C-407E-A947-70E740481C1C}">
+                <a14:useLocalDpi xmlns:a14="http://schemas.microsoft.com/office/drawing/2010/main" val="0"/>
+              </a:ext>
+            </a:extLst>
+          </a:blip>
+          <a:stretch>
+            <a:fillRect/>
+          </a:stretch>
+        </p:blipFill>
+        <p:spPr>
+          <a:xfrm>
+            <a:off x="8357622" y="346127"/>
+            <a:ext cx="1370585" cy="337252"/>
+          </a:xfrm>
+          <a:prstGeom prst="rect">
+            <a:avLst/>
+          </a:prstGeom>
+        </p:spPr>
+      </p:pic>
     </p:spTree>
     <p:extLst>
       <p:ext uri="{BB962C8B-B14F-4D97-AF65-F5344CB8AC3E}">
-        <p14:creationId xmlns:p14="http://schemas.microsoft.com/office/powerpoint/2010/main" val="3005981576"/>
+        <p14:creationId xmlns:p14="http://schemas.microsoft.com/office/powerpoint/2010/main" val="1074876861"/>
       </p:ext>
     </p:extLst>
   </p:cSld>
@@ -1274,15 +1514,15 @@
         </p:nvSpPr>
         <p:spPr>
           <a:xfrm>
-            <a:off x="686927" y="1937705"/>
-            <a:ext cx="8683585" cy="3233102"/>
+            <a:off x="686927" y="1880713"/>
+            <a:ext cx="8683585" cy="3138011"/>
           </a:xfrm>
         </p:spPr>
         <p:txBody>
           <a:bodyPr anchor="b"/>
           <a:lstStyle>
             <a:lvl1pPr>
-              <a:defRPr sz="6606"/>
+              <a:defRPr sz="6600"/>
             </a:lvl1pPr>
           </a:lstStyle>
           <a:p>
@@ -1306,8 +1546,8 @@
         </p:nvSpPr>
         <p:spPr>
           <a:xfrm>
-            <a:off x="686927" y="5201393"/>
-            <a:ext cx="8683585" cy="1700212"/>
+            <a:off x="686927" y="5048411"/>
+            <a:ext cx="8683585" cy="1650206"/>
           </a:xfrm>
         </p:spPr>
         <p:txBody>
@@ -1315,15 +1555,15 @@
           <a:lstStyle>
             <a:lvl1pPr marL="0" indent="0">
               <a:buNone/>
-              <a:defRPr sz="2642">
+              <a:defRPr sz="2640">
                 <a:solidFill>
                   <a:schemeClr val="tx1"/>
                 </a:solidFill>
               </a:defRPr>
             </a:lvl1pPr>
-            <a:lvl2pPr marL="503377" indent="0">
-              <a:buNone/>
-              <a:defRPr sz="2202">
+            <a:lvl2pPr marL="502920" indent="0">
+              <a:buNone/>
+              <a:defRPr sz="2200">
                 <a:solidFill>
                   <a:schemeClr val="tx1">
                     <a:tint val="75000"/>
@@ -1331,9 +1571,9 @@
                 </a:solidFill>
               </a:defRPr>
             </a:lvl2pPr>
-            <a:lvl3pPr marL="1006754" indent="0">
-              <a:buNone/>
-              <a:defRPr sz="1982">
+            <a:lvl3pPr marL="1005840" indent="0">
+              <a:buNone/>
+              <a:defRPr sz="1980">
                 <a:solidFill>
                   <a:schemeClr val="tx1">
                     <a:tint val="75000"/>
@@ -1341,9 +1581,9 @@
                 </a:solidFill>
               </a:defRPr>
             </a:lvl3pPr>
-            <a:lvl4pPr marL="1510132" indent="0">
-              <a:buNone/>
-              <a:defRPr sz="1762">
+            <a:lvl4pPr marL="1508760" indent="0">
+              <a:buNone/>
+              <a:defRPr sz="1760">
                 <a:solidFill>
                   <a:schemeClr val="tx1">
                     <a:tint val="75000"/>
@@ -1351,9 +1591,9 @@
                 </a:solidFill>
               </a:defRPr>
             </a:lvl4pPr>
-            <a:lvl5pPr marL="2013509" indent="0">
-              <a:buNone/>
-              <a:defRPr sz="1762">
+            <a:lvl5pPr marL="2011680" indent="0">
+              <a:buNone/>
+              <a:defRPr sz="1760">
                 <a:solidFill>
                   <a:schemeClr val="tx1">
                     <a:tint val="75000"/>
@@ -1361,9 +1601,9 @@
                 </a:solidFill>
               </a:defRPr>
             </a:lvl5pPr>
-            <a:lvl6pPr marL="2516886" indent="0">
-              <a:buNone/>
-              <a:defRPr sz="1762">
+            <a:lvl6pPr marL="2514600" indent="0">
+              <a:buNone/>
+              <a:defRPr sz="1760">
                 <a:solidFill>
                   <a:schemeClr val="tx1">
                     <a:tint val="75000"/>
@@ -1371,9 +1611,9 @@
                 </a:solidFill>
               </a:defRPr>
             </a:lvl6pPr>
-            <a:lvl7pPr marL="3020263" indent="0">
-              <a:buNone/>
-              <a:defRPr sz="1762">
+            <a:lvl7pPr marL="3017520" indent="0">
+              <a:buNone/>
+              <a:defRPr sz="1760">
                 <a:solidFill>
                   <a:schemeClr val="tx1">
                     <a:tint val="75000"/>
@@ -1381,9 +1621,9 @@
                 </a:solidFill>
               </a:defRPr>
             </a:lvl7pPr>
-            <a:lvl8pPr marL="3523640" indent="0">
-              <a:buNone/>
-              <a:defRPr sz="1762">
+            <a:lvl8pPr marL="3520440" indent="0">
+              <a:buNone/>
+              <a:defRPr sz="1760">
                 <a:solidFill>
                   <a:schemeClr val="tx1">
                     <a:tint val="75000"/>
@@ -1391,9 +1631,9 @@
                 </a:solidFill>
               </a:defRPr>
             </a:lvl8pPr>
-            <a:lvl9pPr marL="4027018" indent="0">
-              <a:buNone/>
-              <a:defRPr sz="1762">
+            <a:lvl9pPr marL="4023360" indent="0">
+              <a:buNone/>
+              <a:defRPr sz="1760">
                 <a:solidFill>
                   <a:schemeClr val="tx1">
                     <a:tint val="75000"/>
@@ -1428,7 +1668,7 @@
           <a:p>
             <a:fld id="{B35CD269-42B5-4067-A42B-F772DEB587E1}" type="datetimeFigureOut">
               <a:rPr lang="en-US" smtClean="0"/>
-              <a:t>6/27/23</a:t>
+              <a:t>6/28/23</a:t>
             </a:fld>
             <a:endParaRPr lang="en-US"/>
           </a:p>
@@ -1479,7 +1719,7 @@
     </p:spTree>
     <p:extLst>
       <p:ext uri="{BB962C8B-B14F-4D97-AF65-F5344CB8AC3E}">
-        <p14:creationId xmlns:p14="http://schemas.microsoft.com/office/powerpoint/2010/main" val="3017509258"/>
+        <p14:creationId xmlns:p14="http://schemas.microsoft.com/office/powerpoint/2010/main" val="208240477"/>
       </p:ext>
     </p:extLst>
   </p:cSld>
@@ -1541,8 +1781,8 @@
         </p:nvSpPr>
         <p:spPr>
           <a:xfrm>
-            <a:off x="692170" y="2069042"/>
-            <a:ext cx="4278868" cy="4931516"/>
+            <a:off x="356616" y="1371600"/>
+            <a:ext cx="4489704" cy="5266944"/>
           </a:xfrm>
         </p:spPr>
         <p:txBody>
@@ -1598,8 +1838,8 @@
         </p:nvSpPr>
         <p:spPr>
           <a:xfrm>
-            <a:off x="5096887" y="2069042"/>
-            <a:ext cx="4278868" cy="4931516"/>
+            <a:off x="5202936" y="1371600"/>
+            <a:ext cx="4489704" cy="5266944"/>
           </a:xfrm>
         </p:spPr>
         <p:txBody>
@@ -1660,7 +1900,7 @@
           <a:p>
             <a:fld id="{B35CD269-42B5-4067-A42B-F772DEB587E1}" type="datetimeFigureOut">
               <a:rPr lang="en-US" smtClean="0"/>
-              <a:t>6/27/23</a:t>
+              <a:t>6/28/23</a:t>
             </a:fld>
             <a:endParaRPr lang="en-US"/>
           </a:p>
@@ -1708,10 +1948,87 @@
           </a:p>
         </p:txBody>
       </p:sp>
+      <p:cxnSp>
+        <p:nvCxnSpPr>
+          <p:cNvPr id="8" name="Straight Connector 7">
+            <a:extLst>
+              <a:ext uri="{FF2B5EF4-FFF2-40B4-BE49-F238E27FC236}">
+                <a16:creationId xmlns:a16="http://schemas.microsoft.com/office/drawing/2014/main" id="{1D681AF5-2DAA-7A79-9CF8-A40CF1F5B38F}"/>
+              </a:ext>
+            </a:extLst>
+          </p:cNvPr>
+          <p:cNvCxnSpPr/>
+          <p:nvPr userDrawn="1"/>
+        </p:nvCxnSpPr>
+        <p:spPr>
+          <a:xfrm>
+            <a:off x="356616" y="976256"/>
+            <a:ext cx="9345168" cy="0"/>
+          </a:xfrm>
+          <a:prstGeom prst="line">
+            <a:avLst/>
+          </a:prstGeom>
+          <a:ln w="19050">
+            <a:solidFill>
+              <a:schemeClr val="tx1"/>
+            </a:solidFill>
+          </a:ln>
+        </p:spPr>
+        <p:style>
+          <a:lnRef idx="1">
+            <a:schemeClr val="dk1"/>
+          </a:lnRef>
+          <a:fillRef idx="0">
+            <a:schemeClr val="dk1"/>
+          </a:fillRef>
+          <a:effectRef idx="0">
+            <a:schemeClr val="dk1"/>
+          </a:effectRef>
+          <a:fontRef idx="minor">
+            <a:schemeClr val="tx1"/>
+          </a:fontRef>
+        </p:style>
+      </p:cxnSp>
+      <p:pic>
+        <p:nvPicPr>
+          <p:cNvPr id="9" name="Picture 8">
+            <a:extLst>
+              <a:ext uri="{FF2B5EF4-FFF2-40B4-BE49-F238E27FC236}">
+                <a16:creationId xmlns:a16="http://schemas.microsoft.com/office/drawing/2014/main" id="{A1FEBC8F-C92D-60EF-51CE-3A23BAFD8CE7}"/>
+              </a:ext>
+            </a:extLst>
+          </p:cNvPr>
+          <p:cNvPicPr>
+            <a:picLocks noChangeAspect="1"/>
+          </p:cNvPicPr>
+          <p:nvPr userDrawn="1"/>
+        </p:nvPicPr>
+        <p:blipFill>
+          <a:blip r:embed="rId2">
+            <a:extLst>
+              <a:ext uri="{28A0092B-C50C-407E-A947-70E740481C1C}">
+                <a14:useLocalDpi xmlns:a14="http://schemas.microsoft.com/office/drawing/2010/main" val="0"/>
+              </a:ext>
+            </a:extLst>
+          </a:blip>
+          <a:stretch>
+            <a:fillRect/>
+          </a:stretch>
+        </p:blipFill>
+        <p:spPr>
+          <a:xfrm>
+            <a:off x="8357622" y="346127"/>
+            <a:ext cx="1370585" cy="337252"/>
+          </a:xfrm>
+          <a:prstGeom prst="rect">
+            <a:avLst/>
+          </a:prstGeom>
+        </p:spPr>
+      </p:pic>
     </p:spTree>
     <p:extLst>
       <p:ext uri="{BB962C8B-B14F-4D97-AF65-F5344CB8AC3E}">
-        <p14:creationId xmlns:p14="http://schemas.microsoft.com/office/powerpoint/2010/main" val="3574100885"/>
+        <p14:creationId xmlns:p14="http://schemas.microsoft.com/office/powerpoint/2010/main" val="243173613"/>
       </p:ext>
     </p:extLst>
   </p:cSld>
@@ -1750,8 +2067,8 @@
         </p:nvSpPr>
         <p:spPr>
           <a:xfrm>
-            <a:off x="693481" y="413810"/>
-            <a:ext cx="8683585" cy="1502305"/>
+            <a:off x="693481" y="401639"/>
+            <a:ext cx="8683585" cy="1458119"/>
           </a:xfrm>
         </p:spPr>
         <p:txBody>
@@ -1778,8 +2095,8 @@
         </p:nvSpPr>
         <p:spPr>
           <a:xfrm>
-            <a:off x="693482" y="1905318"/>
-            <a:ext cx="4259204" cy="933767"/>
+            <a:off x="693482" y="1849279"/>
+            <a:ext cx="4259204" cy="906303"/>
           </a:xfrm>
         </p:spPr>
         <p:txBody>
@@ -1787,39 +2104,39 @@
           <a:lstStyle>
             <a:lvl1pPr marL="0" indent="0">
               <a:buNone/>
-              <a:defRPr sz="2642" b="1"/>
+              <a:defRPr sz="2640" b="1"/>
             </a:lvl1pPr>
-            <a:lvl2pPr marL="503377" indent="0">
-              <a:buNone/>
-              <a:defRPr sz="2202" b="1"/>
+            <a:lvl2pPr marL="502920" indent="0">
+              <a:buNone/>
+              <a:defRPr sz="2200" b="1"/>
             </a:lvl2pPr>
-            <a:lvl3pPr marL="1006754" indent="0">
-              <a:buNone/>
-              <a:defRPr sz="1982" b="1"/>
+            <a:lvl3pPr marL="1005840" indent="0">
+              <a:buNone/>
+              <a:defRPr sz="1980" b="1"/>
             </a:lvl3pPr>
-            <a:lvl4pPr marL="1510132" indent="0">
-              <a:buNone/>
-              <a:defRPr sz="1762" b="1"/>
+            <a:lvl4pPr marL="1508760" indent="0">
+              <a:buNone/>
+              <a:defRPr sz="1760" b="1"/>
             </a:lvl4pPr>
-            <a:lvl5pPr marL="2013509" indent="0">
-              <a:buNone/>
-              <a:defRPr sz="1762" b="1"/>
+            <a:lvl5pPr marL="2011680" indent="0">
+              <a:buNone/>
+              <a:defRPr sz="1760" b="1"/>
             </a:lvl5pPr>
-            <a:lvl6pPr marL="2516886" indent="0">
-              <a:buNone/>
-              <a:defRPr sz="1762" b="1"/>
+            <a:lvl6pPr marL="2514600" indent="0">
+              <a:buNone/>
+              <a:defRPr sz="1760" b="1"/>
             </a:lvl6pPr>
-            <a:lvl7pPr marL="3020263" indent="0">
-              <a:buNone/>
-              <a:defRPr sz="1762" b="1"/>
+            <a:lvl7pPr marL="3017520" indent="0">
+              <a:buNone/>
+              <a:defRPr sz="1760" b="1"/>
             </a:lvl7pPr>
-            <a:lvl8pPr marL="3523640" indent="0">
-              <a:buNone/>
-              <a:defRPr sz="1762" b="1"/>
+            <a:lvl8pPr marL="3520440" indent="0">
+              <a:buNone/>
+              <a:defRPr sz="1760" b="1"/>
             </a:lvl8pPr>
-            <a:lvl9pPr marL="4027018" indent="0">
-              <a:buNone/>
-              <a:defRPr sz="1762" b="1"/>
+            <a:lvl9pPr marL="4023360" indent="0">
+              <a:buNone/>
+              <a:defRPr sz="1760" b="1"/>
             </a:lvl9pPr>
           </a:lstStyle>
           <a:p>
@@ -1843,8 +2160,8 @@
         </p:nvSpPr>
         <p:spPr>
           <a:xfrm>
-            <a:off x="693482" y="2839085"/>
-            <a:ext cx="4259204" cy="4175866"/>
+            <a:off x="693482" y="2755582"/>
+            <a:ext cx="4259204" cy="4053047"/>
           </a:xfrm>
         </p:spPr>
         <p:txBody>
@@ -1900,8 +2217,8 @@
         </p:nvSpPr>
         <p:spPr>
           <a:xfrm>
-            <a:off x="5096888" y="1905318"/>
-            <a:ext cx="4280179" cy="933767"/>
+            <a:off x="5096888" y="1849279"/>
+            <a:ext cx="4280179" cy="906303"/>
           </a:xfrm>
         </p:spPr>
         <p:txBody>
@@ -1909,39 +2226,39 @@
           <a:lstStyle>
             <a:lvl1pPr marL="0" indent="0">
               <a:buNone/>
-              <a:defRPr sz="2642" b="1"/>
+              <a:defRPr sz="2640" b="1"/>
             </a:lvl1pPr>
-            <a:lvl2pPr marL="503377" indent="0">
-              <a:buNone/>
-              <a:defRPr sz="2202" b="1"/>
+            <a:lvl2pPr marL="502920" indent="0">
+              <a:buNone/>
+              <a:defRPr sz="2200" b="1"/>
             </a:lvl2pPr>
-            <a:lvl3pPr marL="1006754" indent="0">
-              <a:buNone/>
-              <a:defRPr sz="1982" b="1"/>
+            <a:lvl3pPr marL="1005840" indent="0">
+              <a:buNone/>
+              <a:defRPr sz="1980" b="1"/>
             </a:lvl3pPr>
-            <a:lvl4pPr marL="1510132" indent="0">
-              <a:buNone/>
-              <a:defRPr sz="1762" b="1"/>
+            <a:lvl4pPr marL="1508760" indent="0">
+              <a:buNone/>
+              <a:defRPr sz="1760" b="1"/>
             </a:lvl4pPr>
-            <a:lvl5pPr marL="2013509" indent="0">
-              <a:buNone/>
-              <a:defRPr sz="1762" b="1"/>
+            <a:lvl5pPr marL="2011680" indent="0">
+              <a:buNone/>
+              <a:defRPr sz="1760" b="1"/>
             </a:lvl5pPr>
-            <a:lvl6pPr marL="2516886" indent="0">
-              <a:buNone/>
-              <a:defRPr sz="1762" b="1"/>
+            <a:lvl6pPr marL="2514600" indent="0">
+              <a:buNone/>
+              <a:defRPr sz="1760" b="1"/>
             </a:lvl6pPr>
-            <a:lvl7pPr marL="3020263" indent="0">
-              <a:buNone/>
-              <a:defRPr sz="1762" b="1"/>
+            <a:lvl7pPr marL="3017520" indent="0">
+              <a:buNone/>
+              <a:defRPr sz="1760" b="1"/>
             </a:lvl7pPr>
-            <a:lvl8pPr marL="3523640" indent="0">
-              <a:buNone/>
-              <a:defRPr sz="1762" b="1"/>
+            <a:lvl8pPr marL="3520440" indent="0">
+              <a:buNone/>
+              <a:defRPr sz="1760" b="1"/>
             </a:lvl8pPr>
-            <a:lvl9pPr marL="4027018" indent="0">
-              <a:buNone/>
-              <a:defRPr sz="1762" b="1"/>
+            <a:lvl9pPr marL="4023360" indent="0">
+              <a:buNone/>
+              <a:defRPr sz="1760" b="1"/>
             </a:lvl9pPr>
           </a:lstStyle>
           <a:p>
@@ -1965,8 +2282,8 @@
         </p:nvSpPr>
         <p:spPr>
           <a:xfrm>
-            <a:off x="5096888" y="2839085"/>
-            <a:ext cx="4280179" cy="4175866"/>
+            <a:off x="5096888" y="2755582"/>
+            <a:ext cx="4280179" cy="4053047"/>
           </a:xfrm>
         </p:spPr>
         <p:txBody>
@@ -2027,7 +2344,7 @@
           <a:p>
             <a:fld id="{B35CD269-42B5-4067-A42B-F772DEB587E1}" type="datetimeFigureOut">
               <a:rPr lang="en-US" smtClean="0"/>
-              <a:t>6/27/23</a:t>
+              <a:t>6/28/23</a:t>
             </a:fld>
             <a:endParaRPr lang="en-US"/>
           </a:p>
@@ -2078,7 +2395,7 @@
     </p:spTree>
     <p:extLst>
       <p:ext uri="{BB962C8B-B14F-4D97-AF65-F5344CB8AC3E}">
-        <p14:creationId xmlns:p14="http://schemas.microsoft.com/office/powerpoint/2010/main" val="1582098654"/>
+        <p14:creationId xmlns:p14="http://schemas.microsoft.com/office/powerpoint/2010/main" val="2952082002"/>
       </p:ext>
     </p:extLst>
   </p:cSld>
@@ -2145,7 +2462,7 @@
           <a:p>
             <a:fld id="{B35CD269-42B5-4067-A42B-F772DEB587E1}" type="datetimeFigureOut">
               <a:rPr lang="en-US" smtClean="0"/>
-              <a:t>6/27/23</a:t>
+              <a:t>6/28/23</a:t>
             </a:fld>
             <a:endParaRPr lang="en-US"/>
           </a:p>
@@ -2193,10 +2510,87 @@
           </a:p>
         </p:txBody>
       </p:sp>
+      <p:cxnSp>
+        <p:nvCxnSpPr>
+          <p:cNvPr id="6" name="Straight Connector 5">
+            <a:extLst>
+              <a:ext uri="{FF2B5EF4-FFF2-40B4-BE49-F238E27FC236}">
+                <a16:creationId xmlns:a16="http://schemas.microsoft.com/office/drawing/2014/main" id="{36D2FDC6-9AC8-F557-E49F-6A63B702D0F3}"/>
+              </a:ext>
+            </a:extLst>
+          </p:cNvPr>
+          <p:cNvCxnSpPr/>
+          <p:nvPr userDrawn="1"/>
+        </p:nvCxnSpPr>
+        <p:spPr>
+          <a:xfrm>
+            <a:off x="356616" y="976256"/>
+            <a:ext cx="9345168" cy="0"/>
+          </a:xfrm>
+          <a:prstGeom prst="line">
+            <a:avLst/>
+          </a:prstGeom>
+          <a:ln w="19050">
+            <a:solidFill>
+              <a:schemeClr val="tx1"/>
+            </a:solidFill>
+          </a:ln>
+        </p:spPr>
+        <p:style>
+          <a:lnRef idx="1">
+            <a:schemeClr val="dk1"/>
+          </a:lnRef>
+          <a:fillRef idx="0">
+            <a:schemeClr val="dk1"/>
+          </a:fillRef>
+          <a:effectRef idx="0">
+            <a:schemeClr val="dk1"/>
+          </a:effectRef>
+          <a:fontRef idx="minor">
+            <a:schemeClr val="tx1"/>
+          </a:fontRef>
+        </p:style>
+      </p:cxnSp>
+      <p:pic>
+        <p:nvPicPr>
+          <p:cNvPr id="7" name="Picture 6">
+            <a:extLst>
+              <a:ext uri="{FF2B5EF4-FFF2-40B4-BE49-F238E27FC236}">
+                <a16:creationId xmlns:a16="http://schemas.microsoft.com/office/drawing/2014/main" id="{407AB9FE-E4E1-B647-882E-FBADF0C18C3A}"/>
+              </a:ext>
+            </a:extLst>
+          </p:cNvPr>
+          <p:cNvPicPr>
+            <a:picLocks noChangeAspect="1"/>
+          </p:cNvPicPr>
+          <p:nvPr userDrawn="1"/>
+        </p:nvPicPr>
+        <p:blipFill>
+          <a:blip r:embed="rId2">
+            <a:extLst>
+              <a:ext uri="{28A0092B-C50C-407E-A947-70E740481C1C}">
+                <a14:useLocalDpi xmlns:a14="http://schemas.microsoft.com/office/drawing/2010/main" val="0"/>
+              </a:ext>
+            </a:extLst>
+          </a:blip>
+          <a:stretch>
+            <a:fillRect/>
+          </a:stretch>
+        </p:blipFill>
+        <p:spPr>
+          <a:xfrm>
+            <a:off x="8357622" y="346127"/>
+            <a:ext cx="1370585" cy="337252"/>
+          </a:xfrm>
+          <a:prstGeom prst="rect">
+            <a:avLst/>
+          </a:prstGeom>
+        </p:spPr>
+      </p:pic>
     </p:spTree>
     <p:extLst>
       <p:ext uri="{BB962C8B-B14F-4D97-AF65-F5344CB8AC3E}">
-        <p14:creationId xmlns:p14="http://schemas.microsoft.com/office/powerpoint/2010/main" val="3261349547"/>
+        <p14:creationId xmlns:p14="http://schemas.microsoft.com/office/powerpoint/2010/main" val="3064609479"/>
       </p:ext>
     </p:extLst>
   </p:cSld>
@@ -2239,8 +2633,8 @@
           <a:lstStyle/>
           <a:p>
             <a:fld id="{C764DE79-268F-4C1A-8933-263129D2AF90}" type="datetimeFigureOut">
-              <a:rPr lang="en-US" dirty="0"/>
-              <a:t>6/27/23</a:t>
+              <a:rPr lang="en-US" smtClean="0"/>
+              <a:t>6/28/23</a:t>
             </a:fld>
             <a:endParaRPr lang="en-US" dirty="0"/>
           </a:p>
@@ -2304,7 +2698,7 @@
     </p:spTree>
     <p:extLst>
       <p:ext uri="{BB962C8B-B14F-4D97-AF65-F5344CB8AC3E}">
-        <p14:creationId xmlns:p14="http://schemas.microsoft.com/office/powerpoint/2010/main" val="3769786629"/>
+        <p14:creationId xmlns:p14="http://schemas.microsoft.com/office/powerpoint/2010/main" val="2357466748"/>
       </p:ext>
     </p:extLst>
   </p:cSld>
@@ -2343,15 +2737,15 @@
         </p:nvSpPr>
         <p:spPr>
           <a:xfrm>
-            <a:off x="693481" y="518160"/>
-            <a:ext cx="3247168" cy="1813560"/>
+            <a:off x="693481" y="502920"/>
+            <a:ext cx="3247168" cy="1760220"/>
           </a:xfrm>
         </p:spPr>
         <p:txBody>
           <a:bodyPr anchor="b"/>
           <a:lstStyle>
             <a:lvl1pPr>
-              <a:defRPr sz="3523"/>
+              <a:defRPr sz="3520"/>
             </a:lvl1pPr>
           </a:lstStyle>
           <a:p>
@@ -2375,39 +2769,39 @@
         </p:nvSpPr>
         <p:spPr>
           <a:xfrm>
-            <a:off x="4280179" y="1119083"/>
-            <a:ext cx="5096887" cy="5523442"/>
+            <a:off x="4280179" y="1086169"/>
+            <a:ext cx="5096887" cy="5360988"/>
           </a:xfrm>
         </p:spPr>
         <p:txBody>
           <a:bodyPr/>
           <a:lstStyle>
             <a:lvl1pPr>
-              <a:defRPr sz="3523"/>
+              <a:defRPr sz="3520"/>
             </a:lvl1pPr>
             <a:lvl2pPr>
-              <a:defRPr sz="3083"/>
+              <a:defRPr sz="3080"/>
             </a:lvl2pPr>
             <a:lvl3pPr>
-              <a:defRPr sz="2642"/>
+              <a:defRPr sz="2640"/>
             </a:lvl3pPr>
             <a:lvl4pPr>
-              <a:defRPr sz="2202"/>
+              <a:defRPr sz="2200"/>
             </a:lvl4pPr>
             <a:lvl5pPr>
-              <a:defRPr sz="2202"/>
+              <a:defRPr sz="2200"/>
             </a:lvl5pPr>
             <a:lvl6pPr>
-              <a:defRPr sz="2202"/>
+              <a:defRPr sz="2200"/>
             </a:lvl6pPr>
             <a:lvl7pPr>
-              <a:defRPr sz="2202"/>
+              <a:defRPr sz="2200"/>
             </a:lvl7pPr>
             <a:lvl8pPr>
-              <a:defRPr sz="2202"/>
+              <a:defRPr sz="2200"/>
             </a:lvl8pPr>
             <a:lvl9pPr>
-              <a:defRPr sz="2202"/>
+              <a:defRPr sz="2200"/>
             </a:lvl9pPr>
           </a:lstStyle>
           <a:p>
@@ -2460,54 +2854,56 @@
         </p:nvSpPr>
         <p:spPr>
           <a:xfrm>
-            <a:off x="693481" y="2331720"/>
-            <a:ext cx="3247168" cy="4319800"/>
+            <a:off x="693481" y="2263140"/>
+            <a:ext cx="3247168" cy="4192747"/>
           </a:xfrm>
         </p:spPr>
         <p:txBody>
-          <a:bodyPr/>
+          <a:bodyPr>
+            <a:normAutofit/>
+          </a:bodyPr>
           <a:lstStyle>
             <a:lvl1pPr marL="0" indent="0">
               <a:buNone/>
-              <a:defRPr sz="1762"/>
+              <a:defRPr sz="1400"/>
             </a:lvl1pPr>
-            <a:lvl2pPr marL="503377" indent="0">
-              <a:buNone/>
-              <a:defRPr sz="1541"/>
+            <a:lvl2pPr marL="502920" indent="0">
+              <a:buNone/>
+              <a:defRPr sz="1540"/>
             </a:lvl2pPr>
-            <a:lvl3pPr marL="1006754" indent="0">
-              <a:buNone/>
-              <a:defRPr sz="1321"/>
+            <a:lvl3pPr marL="1005840" indent="0">
+              <a:buNone/>
+              <a:defRPr sz="1320"/>
             </a:lvl3pPr>
-            <a:lvl4pPr marL="1510132" indent="0">
-              <a:buNone/>
-              <a:defRPr sz="1101"/>
+            <a:lvl4pPr marL="1508760" indent="0">
+              <a:buNone/>
+              <a:defRPr sz="1100"/>
             </a:lvl4pPr>
-            <a:lvl5pPr marL="2013509" indent="0">
-              <a:buNone/>
-              <a:defRPr sz="1101"/>
+            <a:lvl5pPr marL="2011680" indent="0">
+              <a:buNone/>
+              <a:defRPr sz="1100"/>
             </a:lvl5pPr>
-            <a:lvl6pPr marL="2516886" indent="0">
-              <a:buNone/>
-              <a:defRPr sz="1101"/>
+            <a:lvl6pPr marL="2514600" indent="0">
+              <a:buNone/>
+              <a:defRPr sz="1100"/>
             </a:lvl6pPr>
-            <a:lvl7pPr marL="3020263" indent="0">
-              <a:buNone/>
-              <a:defRPr sz="1101"/>
+            <a:lvl7pPr marL="3017520" indent="0">
+              <a:buNone/>
+              <a:defRPr sz="1100"/>
             </a:lvl7pPr>
-            <a:lvl8pPr marL="3523640" indent="0">
-              <a:buNone/>
-              <a:defRPr sz="1101"/>
+            <a:lvl8pPr marL="3520440" indent="0">
+              <a:buNone/>
+              <a:defRPr sz="1100"/>
             </a:lvl8pPr>
-            <a:lvl9pPr marL="4027018" indent="0">
-              <a:buNone/>
-              <a:defRPr sz="1101"/>
+            <a:lvl9pPr marL="4023360" indent="0">
+              <a:buNone/>
+              <a:defRPr sz="1100"/>
             </a:lvl9pPr>
           </a:lstStyle>
           <a:p>
             <a:pPr lvl="0"/>
             <a:r>
-              <a:rPr lang="en-US"/>
+              <a:rPr lang="en-US" dirty="0"/>
               <a:t>Click to edit Master text styles</a:t>
             </a:r>
           </a:p>
@@ -2530,7 +2926,7 @@
           <a:p>
             <a:fld id="{B35CD269-42B5-4067-A42B-F772DEB587E1}" type="datetimeFigureOut">
               <a:rPr lang="en-US" smtClean="0"/>
-              <a:t>6/27/23</a:t>
+              <a:t>6/28/23</a:t>
             </a:fld>
             <a:endParaRPr lang="en-US"/>
           </a:p>
@@ -2581,7 +2977,7 @@
     </p:spTree>
     <p:extLst>
       <p:ext uri="{BB962C8B-B14F-4D97-AF65-F5344CB8AC3E}">
-        <p14:creationId xmlns:p14="http://schemas.microsoft.com/office/powerpoint/2010/main" val="1017733499"/>
+        <p14:creationId xmlns:p14="http://schemas.microsoft.com/office/powerpoint/2010/main" val="3664168863"/>
       </p:ext>
     </p:extLst>
   </p:cSld>
@@ -2620,15 +3016,15 @@
         </p:nvSpPr>
         <p:spPr>
           <a:xfrm>
-            <a:off x="693481" y="518160"/>
-            <a:ext cx="3247168" cy="1813560"/>
+            <a:off x="693481" y="502920"/>
+            <a:ext cx="3247168" cy="1760220"/>
           </a:xfrm>
         </p:spPr>
         <p:txBody>
           <a:bodyPr anchor="b"/>
           <a:lstStyle>
             <a:lvl1pPr>
-              <a:defRPr sz="3523"/>
+              <a:defRPr sz="3520"/>
             </a:lvl1pPr>
           </a:lstStyle>
           <a:p>
@@ -2652,8 +3048,8 @@
         </p:nvSpPr>
         <p:spPr>
           <a:xfrm>
-            <a:off x="4280179" y="1119083"/>
-            <a:ext cx="5096887" cy="5523442"/>
+            <a:off x="4280179" y="1086169"/>
+            <a:ext cx="5096887" cy="5360988"/>
           </a:xfrm>
         </p:spPr>
         <p:txBody>
@@ -2661,39 +3057,39 @@
           <a:lstStyle>
             <a:lvl1pPr marL="0" indent="0">
               <a:buNone/>
-              <a:defRPr sz="3523"/>
+              <a:defRPr sz="3520"/>
             </a:lvl1pPr>
-            <a:lvl2pPr marL="503377" indent="0">
-              <a:buNone/>
-              <a:defRPr sz="3083"/>
+            <a:lvl2pPr marL="502920" indent="0">
+              <a:buNone/>
+              <a:defRPr sz="3080"/>
             </a:lvl2pPr>
-            <a:lvl3pPr marL="1006754" indent="0">
-              <a:buNone/>
-              <a:defRPr sz="2642"/>
+            <a:lvl3pPr marL="1005840" indent="0">
+              <a:buNone/>
+              <a:defRPr sz="2640"/>
             </a:lvl3pPr>
-            <a:lvl4pPr marL="1510132" indent="0">
-              <a:buNone/>
-              <a:defRPr sz="2202"/>
+            <a:lvl4pPr marL="1508760" indent="0">
+              <a:buNone/>
+              <a:defRPr sz="2200"/>
             </a:lvl4pPr>
-            <a:lvl5pPr marL="2013509" indent="0">
-              <a:buNone/>
-              <a:defRPr sz="2202"/>
+            <a:lvl5pPr marL="2011680" indent="0">
+              <a:buNone/>
+              <a:defRPr sz="2200"/>
             </a:lvl5pPr>
-            <a:lvl6pPr marL="2516886" indent="0">
-              <a:buNone/>
-              <a:defRPr sz="2202"/>
+            <a:lvl6pPr marL="2514600" indent="0">
+              <a:buNone/>
+              <a:defRPr sz="2200"/>
             </a:lvl6pPr>
-            <a:lvl7pPr marL="3020263" indent="0">
-              <a:buNone/>
-              <a:defRPr sz="2202"/>
+            <a:lvl7pPr marL="3017520" indent="0">
+              <a:buNone/>
+              <a:defRPr sz="2200"/>
             </a:lvl7pPr>
-            <a:lvl8pPr marL="3523640" indent="0">
-              <a:buNone/>
-              <a:defRPr sz="2202"/>
+            <a:lvl8pPr marL="3520440" indent="0">
+              <a:buNone/>
+              <a:defRPr sz="2200"/>
             </a:lvl8pPr>
-            <a:lvl9pPr marL="4027018" indent="0">
-              <a:buNone/>
-              <a:defRPr sz="2202"/>
+            <a:lvl9pPr marL="4023360" indent="0">
+              <a:buNone/>
+              <a:defRPr sz="2200"/>
             </a:lvl9pPr>
           </a:lstStyle>
           <a:p>
@@ -2717,54 +3113,56 @@
         </p:nvSpPr>
         <p:spPr>
           <a:xfrm>
-            <a:off x="693481" y="2331720"/>
-            <a:ext cx="3247168" cy="4319800"/>
+            <a:off x="693481" y="2263140"/>
+            <a:ext cx="3247168" cy="4192747"/>
           </a:xfrm>
         </p:spPr>
         <p:txBody>
-          <a:bodyPr/>
+          <a:bodyPr>
+            <a:normAutofit/>
+          </a:bodyPr>
           <a:lstStyle>
             <a:lvl1pPr marL="0" indent="0">
               <a:buNone/>
-              <a:defRPr sz="1762"/>
+              <a:defRPr sz="1400"/>
             </a:lvl1pPr>
-            <a:lvl2pPr marL="503377" indent="0">
-              <a:buNone/>
-              <a:defRPr sz="1541"/>
+            <a:lvl2pPr marL="502920" indent="0">
+              <a:buNone/>
+              <a:defRPr sz="1540"/>
             </a:lvl2pPr>
-            <a:lvl3pPr marL="1006754" indent="0">
-              <a:buNone/>
-              <a:defRPr sz="1321"/>
+            <a:lvl3pPr marL="1005840" indent="0">
+              <a:buNone/>
+              <a:defRPr sz="1320"/>
             </a:lvl3pPr>
-            <a:lvl4pPr marL="1510132" indent="0">
-              <a:buNone/>
-              <a:defRPr sz="1101"/>
+            <a:lvl4pPr marL="1508760" indent="0">
+              <a:buNone/>
+              <a:defRPr sz="1100"/>
             </a:lvl4pPr>
-            <a:lvl5pPr marL="2013509" indent="0">
-              <a:buNone/>
-              <a:defRPr sz="1101"/>
+            <a:lvl5pPr marL="2011680" indent="0">
+              <a:buNone/>
+              <a:defRPr sz="1100"/>
             </a:lvl5pPr>
-            <a:lvl6pPr marL="2516886" indent="0">
-              <a:buNone/>
-              <a:defRPr sz="1101"/>
+            <a:lvl6pPr marL="2514600" indent="0">
+              <a:buNone/>
+              <a:defRPr sz="1100"/>
             </a:lvl6pPr>
-            <a:lvl7pPr marL="3020263" indent="0">
-              <a:buNone/>
-              <a:defRPr sz="1101"/>
+            <a:lvl7pPr marL="3017520" indent="0">
+              <a:buNone/>
+              <a:defRPr sz="1100"/>
             </a:lvl7pPr>
-            <a:lvl8pPr marL="3523640" indent="0">
-              <a:buNone/>
-              <a:defRPr sz="1101"/>
+            <a:lvl8pPr marL="3520440" indent="0">
+              <a:buNone/>
+              <a:defRPr sz="1100"/>
             </a:lvl8pPr>
-            <a:lvl9pPr marL="4027018" indent="0">
-              <a:buNone/>
-              <a:defRPr sz="1101"/>
+            <a:lvl9pPr marL="4023360" indent="0">
+              <a:buNone/>
+              <a:defRPr sz="1100"/>
             </a:lvl9pPr>
           </a:lstStyle>
           <a:p>
             <a:pPr lvl="0"/>
             <a:r>
-              <a:rPr lang="en-US"/>
+              <a:rPr lang="en-US" dirty="0"/>
               <a:t>Click to edit Master text styles</a:t>
             </a:r>
           </a:p>
@@ -2787,7 +3185,7 @@
           <a:p>
             <a:fld id="{B35CD269-42B5-4067-A42B-F772DEB587E1}" type="datetimeFigureOut">
               <a:rPr lang="en-US" smtClean="0"/>
-              <a:t>6/27/23</a:t>
+              <a:t>6/28/23</a:t>
             </a:fld>
             <a:endParaRPr lang="en-US"/>
           </a:p>
@@ -2838,7 +3236,7 @@
     </p:spTree>
     <p:extLst>
       <p:ext uri="{BB962C8B-B14F-4D97-AF65-F5344CB8AC3E}">
-        <p14:creationId xmlns:p14="http://schemas.microsoft.com/office/powerpoint/2010/main" val="1412318382"/>
+        <p14:creationId xmlns:p14="http://schemas.microsoft.com/office/powerpoint/2010/main" val="29570544"/>
       </p:ext>
     </p:extLst>
   </p:cSld>
@@ -2891,7 +3289,7 @@
         </p:spPr>
         <p:txBody>
           <a:bodyPr vert="horz" lIns="91440" tIns="45720" rIns="91440" bIns="45720" rtlCol="0" anchor="ctr">
-            <a:normAutofit/>
+            <a:noAutofit/>
           </a:bodyPr>
           <a:lstStyle/>
           <a:p>
@@ -2975,8 +3373,8 @@
         </p:nvSpPr>
         <p:spPr>
           <a:xfrm>
-            <a:off x="692170" y="7203865"/>
-            <a:ext cx="2265283" cy="413808"/>
+            <a:off x="692170" y="6991986"/>
+            <a:ext cx="2265283" cy="401638"/>
           </a:xfrm>
           <a:prstGeom prst="rect">
             <a:avLst/>
@@ -2986,7 +3384,7 @@
           <a:bodyPr vert="horz" lIns="91440" tIns="45720" rIns="91440" bIns="45720" rtlCol="0" anchor="ctr"/>
           <a:lstStyle>
             <a:lvl1pPr algn="l">
-              <a:defRPr sz="1321">
+              <a:defRPr sz="1320">
                 <a:solidFill>
                   <a:schemeClr val="tx1">
                     <a:tint val="75000"/>
@@ -2998,7 +3396,7 @@
           <a:p>
             <a:fld id="{B35CD269-42B5-4067-A42B-F772DEB587E1}" type="datetimeFigureOut">
               <a:rPr lang="en-US" smtClean="0"/>
-              <a:t>6/27/23</a:t>
+              <a:t>6/28/23</a:t>
             </a:fld>
             <a:endParaRPr lang="en-US"/>
           </a:p>
@@ -3016,8 +3414,8 @@
         </p:nvSpPr>
         <p:spPr>
           <a:xfrm>
-            <a:off x="3335000" y="7203865"/>
-            <a:ext cx="3397925" cy="413808"/>
+            <a:off x="3335000" y="6991986"/>
+            <a:ext cx="3397925" cy="401638"/>
           </a:xfrm>
           <a:prstGeom prst="rect">
             <a:avLst/>
@@ -3027,7 +3425,7 @@
           <a:bodyPr vert="horz" lIns="91440" tIns="45720" rIns="91440" bIns="45720" rtlCol="0" anchor="ctr"/>
           <a:lstStyle>
             <a:lvl1pPr algn="ctr">
-              <a:defRPr sz="1321">
+              <a:defRPr sz="1320">
                 <a:solidFill>
                   <a:schemeClr val="tx1">
                     <a:tint val="75000"/>
@@ -3053,8 +3451,8 @@
         </p:nvSpPr>
         <p:spPr>
           <a:xfrm>
-            <a:off x="7110472" y="7203865"/>
-            <a:ext cx="2265283" cy="413808"/>
+            <a:off x="7110472" y="6991986"/>
+            <a:ext cx="2265283" cy="401638"/>
           </a:xfrm>
           <a:prstGeom prst="rect">
             <a:avLst/>
@@ -3064,7 +3462,7 @@
           <a:bodyPr vert="horz" lIns="91440" tIns="45720" rIns="91440" bIns="45720" rtlCol="0" anchor="ctr"/>
           <a:lstStyle>
             <a:lvl1pPr algn="r">
-              <a:defRPr sz="1321">
+              <a:defRPr sz="1320">
                 <a:solidFill>
                   <a:schemeClr val="tx1">
                     <a:tint val="75000"/>
@@ -3085,27 +3483,27 @@
     </p:spTree>
     <p:extLst>
       <p:ext uri="{BB962C8B-B14F-4D97-AF65-F5344CB8AC3E}">
-        <p14:creationId xmlns:p14="http://schemas.microsoft.com/office/powerpoint/2010/main" val="1803932479"/>
+        <p14:creationId xmlns:p14="http://schemas.microsoft.com/office/powerpoint/2010/main" val="1340955665"/>
       </p:ext>
     </p:extLst>
   </p:cSld>
   <p:clrMap bg1="lt1" tx1="dk1" bg2="lt2" tx2="dk2" accent1="accent1" accent2="accent2" accent3="accent3" accent4="accent4" accent5="accent5" accent6="accent6" hlink="hlink" folHlink="folHlink"/>
   <p:sldLayoutIdLst>
-    <p:sldLayoutId id="2147483673" r:id="rId1"/>
-    <p:sldLayoutId id="2147483674" r:id="rId2"/>
-    <p:sldLayoutId id="2147483675" r:id="rId3"/>
-    <p:sldLayoutId id="2147483676" r:id="rId4"/>
-    <p:sldLayoutId id="2147483677" r:id="rId5"/>
-    <p:sldLayoutId id="2147483678" r:id="rId6"/>
-    <p:sldLayoutId id="2147483679" r:id="rId7"/>
-    <p:sldLayoutId id="2147483680" r:id="rId8"/>
-    <p:sldLayoutId id="2147483681" r:id="rId9"/>
-    <p:sldLayoutId id="2147483682" r:id="rId10"/>
-    <p:sldLayoutId id="2147483683" r:id="rId11"/>
+    <p:sldLayoutId id="2147483685" r:id="rId1"/>
+    <p:sldLayoutId id="2147483686" r:id="rId2"/>
+    <p:sldLayoutId id="2147483687" r:id="rId3"/>
+    <p:sldLayoutId id="2147483688" r:id="rId4"/>
+    <p:sldLayoutId id="2147483689" r:id="rId5"/>
+    <p:sldLayoutId id="2147483690" r:id="rId6"/>
+    <p:sldLayoutId id="2147483691" r:id="rId7"/>
+    <p:sldLayoutId id="2147483692" r:id="rId8"/>
+    <p:sldLayoutId id="2147483693" r:id="rId9"/>
+    <p:sldLayoutId id="2147483694" r:id="rId10"/>
+    <p:sldLayoutId id="2147483695" r:id="rId11"/>
   </p:sldLayoutIdLst>
   <p:txStyles>
     <p:titleStyle>
-      <a:lvl1pPr algn="l" defTabSz="1006754" rtl="0" eaLnBrk="1" latinLnBrk="0" hangingPunct="1">
+      <a:lvl1pPr algn="l" defTabSz="1005840" rtl="0" eaLnBrk="1" latinLnBrk="0" hangingPunct="1">
         <a:lnSpc>
           <a:spcPct val="90000"/>
         </a:lnSpc>
@@ -3113,7 +3511,7 @@
           <a:spcPct val="0"/>
         </a:spcBef>
         <a:buNone/>
-        <a:defRPr sz="2800" kern="1200">
+        <a:defRPr sz="2800" b="1" kern="1200">
           <a:solidFill>
             <a:schemeClr val="tx1"/>
           </a:solidFill>
@@ -3124,48 +3522,12 @@
       </a:lvl1pPr>
     </p:titleStyle>
     <p:bodyStyle>
-      <a:lvl1pPr marL="251689" indent="-251689" algn="l" defTabSz="1006754" rtl="0" eaLnBrk="1" latinLnBrk="0" hangingPunct="1">
+      <a:lvl1pPr marL="251460" indent="-251460" algn="l" defTabSz="1005840" rtl="0" eaLnBrk="1" latinLnBrk="0" hangingPunct="1">
         <a:lnSpc>
-          <a:spcPct val="90000"/>
+          <a:spcPts val="2000"/>
         </a:lnSpc>
         <a:spcBef>
-          <a:spcPts val="1101"/>
-        </a:spcBef>
-        <a:buFont typeface="Arial" panose="020B0604020202020204" pitchFamily="34" charset="0"/>
-        <a:buChar char="•"/>
-        <a:defRPr sz="1800" b="1" kern="1200">
-          <a:solidFill>
-            <a:schemeClr val="tx1"/>
-          </a:solidFill>
-          <a:latin typeface="+mn-lt"/>
-          <a:ea typeface="+mn-ea"/>
-          <a:cs typeface="+mn-cs"/>
-        </a:defRPr>
-      </a:lvl1pPr>
-      <a:lvl2pPr marL="755066" indent="-251689" algn="l" defTabSz="1006754" rtl="0" eaLnBrk="1" latinLnBrk="0" hangingPunct="1">
-        <a:lnSpc>
-          <a:spcPct val="90000"/>
-        </a:lnSpc>
-        <a:spcBef>
-          <a:spcPts val="551"/>
-        </a:spcBef>
-        <a:buFont typeface="Arial" panose="020B0604020202020204" pitchFamily="34" charset="0"/>
-        <a:buChar char="•"/>
-        <a:defRPr sz="1600" kern="1200">
-          <a:solidFill>
-            <a:schemeClr val="tx1"/>
-          </a:solidFill>
-          <a:latin typeface="+mn-lt"/>
-          <a:ea typeface="+mn-ea"/>
-          <a:cs typeface="+mn-cs"/>
-        </a:defRPr>
-      </a:lvl2pPr>
-      <a:lvl3pPr marL="1258443" indent="-251689" algn="l" defTabSz="1006754" rtl="0" eaLnBrk="1" latinLnBrk="0" hangingPunct="1">
-        <a:lnSpc>
-          <a:spcPct val="90000"/>
-        </a:lnSpc>
-        <a:spcBef>
-          <a:spcPts val="551"/>
+          <a:spcPts val="1100"/>
         </a:spcBef>
         <a:buFont typeface="Arial" panose="020B0604020202020204" pitchFamily="34" charset="0"/>
         <a:buChar char="•"/>
@@ -3173,17 +3535,53 @@
           <a:solidFill>
             <a:schemeClr val="tx1"/>
           </a:solidFill>
-          <a:latin typeface="+mn-lt"/>
+          <a:latin typeface="Calibri" panose="020F0502020204030204" pitchFamily="34" charset="0"/>
           <a:ea typeface="+mn-ea"/>
-          <a:cs typeface="+mn-cs"/>
+          <a:cs typeface="Calibri" panose="020F0502020204030204" pitchFamily="34" charset="0"/>
+        </a:defRPr>
+      </a:lvl1pPr>
+      <a:lvl2pPr marL="754380" indent="-251460" algn="l" defTabSz="1005840" rtl="0" eaLnBrk="1" latinLnBrk="0" hangingPunct="1">
+        <a:lnSpc>
+          <a:spcPts val="2000"/>
+        </a:lnSpc>
+        <a:spcBef>
+          <a:spcPts val="550"/>
+        </a:spcBef>
+        <a:buFont typeface="Wingdings" pitchFamily="2" charset="2"/>
+        <a:buChar char="§"/>
+        <a:defRPr sz="1400" kern="1200">
+          <a:solidFill>
+            <a:schemeClr val="tx1"/>
+          </a:solidFill>
+          <a:latin typeface="Calibri" panose="020F0502020204030204" pitchFamily="34" charset="0"/>
+          <a:ea typeface="+mn-ea"/>
+          <a:cs typeface="Calibri" panose="020F0502020204030204" pitchFamily="34" charset="0"/>
+        </a:defRPr>
+      </a:lvl2pPr>
+      <a:lvl3pPr marL="1257300" indent="-251460" algn="l" defTabSz="1005840" rtl="0" eaLnBrk="1" latinLnBrk="0" hangingPunct="1">
+        <a:lnSpc>
+          <a:spcPts val="2000"/>
+        </a:lnSpc>
+        <a:spcBef>
+          <a:spcPts val="550"/>
+        </a:spcBef>
+        <a:buFont typeface="System Font Regular"/>
+        <a:buChar char="-"/>
+        <a:defRPr sz="1400" kern="1200">
+          <a:solidFill>
+            <a:schemeClr val="tx1"/>
+          </a:solidFill>
+          <a:latin typeface="Calibri" panose="020F0502020204030204" pitchFamily="34" charset="0"/>
+          <a:ea typeface="+mn-ea"/>
+          <a:cs typeface="Calibri" panose="020F0502020204030204" pitchFamily="34" charset="0"/>
         </a:defRPr>
       </a:lvl3pPr>
-      <a:lvl4pPr marL="1761820" indent="-251689" algn="l" defTabSz="1006754" rtl="0" eaLnBrk="1" latinLnBrk="0" hangingPunct="1">
+      <a:lvl4pPr marL="1760220" indent="-251460" algn="l" defTabSz="1005840" rtl="0" eaLnBrk="1" latinLnBrk="0" hangingPunct="1">
         <a:lnSpc>
-          <a:spcPct val="90000"/>
+          <a:spcPts val="2000"/>
         </a:lnSpc>
         <a:spcBef>
-          <a:spcPts val="551"/>
+          <a:spcPts val="550"/>
         </a:spcBef>
         <a:buFont typeface="Arial" panose="020B0604020202020204" pitchFamily="34" charset="0"/>
         <a:buChar char="•"/>
@@ -3191,17 +3589,17 @@
           <a:solidFill>
             <a:schemeClr val="tx1"/>
           </a:solidFill>
-          <a:latin typeface="+mn-lt"/>
+          <a:latin typeface="Calibri" panose="020F0502020204030204" pitchFamily="34" charset="0"/>
           <a:ea typeface="+mn-ea"/>
-          <a:cs typeface="+mn-cs"/>
+          <a:cs typeface="Calibri" panose="020F0502020204030204" pitchFamily="34" charset="0"/>
         </a:defRPr>
       </a:lvl4pPr>
-      <a:lvl5pPr marL="2265197" indent="-251689" algn="l" defTabSz="1006754" rtl="0" eaLnBrk="1" latinLnBrk="0" hangingPunct="1">
+      <a:lvl5pPr marL="2263140" indent="-251460" algn="l" defTabSz="1005840" rtl="0" eaLnBrk="1" latinLnBrk="0" hangingPunct="1">
         <a:lnSpc>
-          <a:spcPct val="90000"/>
+          <a:spcPts val="2000"/>
         </a:lnSpc>
         <a:spcBef>
-          <a:spcPts val="551"/>
+          <a:spcPts val="550"/>
         </a:spcBef>
         <a:buFont typeface="Arial" panose="020B0604020202020204" pitchFamily="34" charset="0"/>
         <a:buChar char="•"/>
@@ -3209,21 +3607,21 @@
           <a:solidFill>
             <a:schemeClr val="tx1"/>
           </a:solidFill>
-          <a:latin typeface="+mn-lt"/>
+          <a:latin typeface="Calibri" panose="020F0502020204030204" pitchFamily="34" charset="0"/>
           <a:ea typeface="+mn-ea"/>
-          <a:cs typeface="+mn-cs"/>
+          <a:cs typeface="Calibri" panose="020F0502020204030204" pitchFamily="34" charset="0"/>
         </a:defRPr>
       </a:lvl5pPr>
-      <a:lvl6pPr marL="2768575" indent="-251689" algn="l" defTabSz="1006754" rtl="0" eaLnBrk="1" latinLnBrk="0" hangingPunct="1">
+      <a:lvl6pPr marL="2766060" indent="-251460" algn="l" defTabSz="1005840" rtl="0" eaLnBrk="1" latinLnBrk="0" hangingPunct="1">
         <a:lnSpc>
           <a:spcPct val="90000"/>
         </a:lnSpc>
         <a:spcBef>
-          <a:spcPts val="551"/>
+          <a:spcPts val="550"/>
         </a:spcBef>
         <a:buFont typeface="Arial" panose="020B0604020202020204" pitchFamily="34" charset="0"/>
         <a:buChar char="•"/>
-        <a:defRPr sz="1982" kern="1200">
+        <a:defRPr sz="1980" kern="1200">
           <a:solidFill>
             <a:schemeClr val="tx1"/>
           </a:solidFill>
@@ -3232,16 +3630,16 @@
           <a:cs typeface="+mn-cs"/>
         </a:defRPr>
       </a:lvl6pPr>
-      <a:lvl7pPr marL="3271952" indent="-251689" algn="l" defTabSz="1006754" rtl="0" eaLnBrk="1" latinLnBrk="0" hangingPunct="1">
+      <a:lvl7pPr marL="3268980" indent="-251460" algn="l" defTabSz="1005840" rtl="0" eaLnBrk="1" latinLnBrk="0" hangingPunct="1">
         <a:lnSpc>
           <a:spcPct val="90000"/>
         </a:lnSpc>
         <a:spcBef>
-          <a:spcPts val="551"/>
+          <a:spcPts val="550"/>
         </a:spcBef>
         <a:buFont typeface="Arial" panose="020B0604020202020204" pitchFamily="34" charset="0"/>
         <a:buChar char="•"/>
-        <a:defRPr sz="1982" kern="1200">
+        <a:defRPr sz="1980" kern="1200">
           <a:solidFill>
             <a:schemeClr val="tx1"/>
           </a:solidFill>
@@ -3250,16 +3648,16 @@
           <a:cs typeface="+mn-cs"/>
         </a:defRPr>
       </a:lvl7pPr>
-      <a:lvl8pPr marL="3775329" indent="-251689" algn="l" defTabSz="1006754" rtl="0" eaLnBrk="1" latinLnBrk="0" hangingPunct="1">
+      <a:lvl8pPr marL="3771900" indent="-251460" algn="l" defTabSz="1005840" rtl="0" eaLnBrk="1" latinLnBrk="0" hangingPunct="1">
         <a:lnSpc>
           <a:spcPct val="90000"/>
         </a:lnSpc>
         <a:spcBef>
-          <a:spcPts val="551"/>
+          <a:spcPts val="550"/>
         </a:spcBef>
         <a:buFont typeface="Arial" panose="020B0604020202020204" pitchFamily="34" charset="0"/>
         <a:buChar char="•"/>
-        <a:defRPr sz="1982" kern="1200">
+        <a:defRPr sz="1980" kern="1200">
           <a:solidFill>
             <a:schemeClr val="tx1"/>
           </a:solidFill>
@@ -3268,16 +3666,16 @@
           <a:cs typeface="+mn-cs"/>
         </a:defRPr>
       </a:lvl8pPr>
-      <a:lvl9pPr marL="4278706" indent="-251689" algn="l" defTabSz="1006754" rtl="0" eaLnBrk="1" latinLnBrk="0" hangingPunct="1">
+      <a:lvl9pPr marL="4274820" indent="-251460" algn="l" defTabSz="1005840" rtl="0" eaLnBrk="1" latinLnBrk="0" hangingPunct="1">
         <a:lnSpc>
           <a:spcPct val="90000"/>
         </a:lnSpc>
         <a:spcBef>
-          <a:spcPts val="551"/>
+          <a:spcPts val="550"/>
         </a:spcBef>
         <a:buFont typeface="Arial" panose="020B0604020202020204" pitchFamily="34" charset="0"/>
         <a:buChar char="•"/>
-        <a:defRPr sz="1982" kern="1200">
+        <a:defRPr sz="1980" kern="1200">
           <a:solidFill>
             <a:schemeClr val="tx1"/>
           </a:solidFill>
@@ -3291,8 +3689,8 @@
       <a:defPPr>
         <a:defRPr lang="en-US"/>
       </a:defPPr>
-      <a:lvl1pPr marL="0" algn="l" defTabSz="1006754" rtl="0" eaLnBrk="1" latinLnBrk="0" hangingPunct="1">
-        <a:defRPr sz="1982" kern="1200">
+      <a:lvl1pPr marL="0" algn="l" defTabSz="1005840" rtl="0" eaLnBrk="1" latinLnBrk="0" hangingPunct="1">
+        <a:defRPr sz="1980" kern="1200">
           <a:solidFill>
             <a:schemeClr val="tx1"/>
           </a:solidFill>
@@ -3301,8 +3699,8 @@
           <a:cs typeface="+mn-cs"/>
         </a:defRPr>
       </a:lvl1pPr>
-      <a:lvl2pPr marL="503377" algn="l" defTabSz="1006754" rtl="0" eaLnBrk="1" latinLnBrk="0" hangingPunct="1">
-        <a:defRPr sz="1982" kern="1200">
+      <a:lvl2pPr marL="502920" algn="l" defTabSz="1005840" rtl="0" eaLnBrk="1" latinLnBrk="0" hangingPunct="1">
+        <a:defRPr sz="1980" kern="1200">
           <a:solidFill>
             <a:schemeClr val="tx1"/>
           </a:solidFill>
@@ -3311,8 +3709,8 @@
           <a:cs typeface="+mn-cs"/>
         </a:defRPr>
       </a:lvl2pPr>
-      <a:lvl3pPr marL="1006754" algn="l" defTabSz="1006754" rtl="0" eaLnBrk="1" latinLnBrk="0" hangingPunct="1">
-        <a:defRPr sz="1982" kern="1200">
+      <a:lvl3pPr marL="1005840" algn="l" defTabSz="1005840" rtl="0" eaLnBrk="1" latinLnBrk="0" hangingPunct="1">
+        <a:defRPr sz="1980" kern="1200">
           <a:solidFill>
             <a:schemeClr val="tx1"/>
           </a:solidFill>
@@ -3321,8 +3719,8 @@
           <a:cs typeface="+mn-cs"/>
         </a:defRPr>
       </a:lvl3pPr>
-      <a:lvl4pPr marL="1510132" algn="l" defTabSz="1006754" rtl="0" eaLnBrk="1" latinLnBrk="0" hangingPunct="1">
-        <a:defRPr sz="1982" kern="1200">
+      <a:lvl4pPr marL="1508760" algn="l" defTabSz="1005840" rtl="0" eaLnBrk="1" latinLnBrk="0" hangingPunct="1">
+        <a:defRPr sz="1980" kern="1200">
           <a:solidFill>
             <a:schemeClr val="tx1"/>
           </a:solidFill>
@@ -3331,8 +3729,8 @@
           <a:cs typeface="+mn-cs"/>
         </a:defRPr>
       </a:lvl4pPr>
-      <a:lvl5pPr marL="2013509" algn="l" defTabSz="1006754" rtl="0" eaLnBrk="1" latinLnBrk="0" hangingPunct="1">
-        <a:defRPr sz="1982" kern="1200">
+      <a:lvl5pPr marL="2011680" algn="l" defTabSz="1005840" rtl="0" eaLnBrk="1" latinLnBrk="0" hangingPunct="1">
+        <a:defRPr sz="1980" kern="1200">
           <a:solidFill>
             <a:schemeClr val="tx1"/>
           </a:solidFill>
@@ -3341,8 +3739,8 @@
           <a:cs typeface="+mn-cs"/>
         </a:defRPr>
       </a:lvl5pPr>
-      <a:lvl6pPr marL="2516886" algn="l" defTabSz="1006754" rtl="0" eaLnBrk="1" latinLnBrk="0" hangingPunct="1">
-        <a:defRPr sz="1982" kern="1200">
+      <a:lvl6pPr marL="2514600" algn="l" defTabSz="1005840" rtl="0" eaLnBrk="1" latinLnBrk="0" hangingPunct="1">
+        <a:defRPr sz="1980" kern="1200">
           <a:solidFill>
             <a:schemeClr val="tx1"/>
           </a:solidFill>
@@ -3351,8 +3749,8 @@
           <a:cs typeface="+mn-cs"/>
         </a:defRPr>
       </a:lvl6pPr>
-      <a:lvl7pPr marL="3020263" algn="l" defTabSz="1006754" rtl="0" eaLnBrk="1" latinLnBrk="0" hangingPunct="1">
-        <a:defRPr sz="1982" kern="1200">
+      <a:lvl7pPr marL="3017520" algn="l" defTabSz="1005840" rtl="0" eaLnBrk="1" latinLnBrk="0" hangingPunct="1">
+        <a:defRPr sz="1980" kern="1200">
           <a:solidFill>
             <a:schemeClr val="tx1"/>
           </a:solidFill>
@@ -3361,8 +3759,8 @@
           <a:cs typeface="+mn-cs"/>
         </a:defRPr>
       </a:lvl7pPr>
-      <a:lvl8pPr marL="3523640" algn="l" defTabSz="1006754" rtl="0" eaLnBrk="1" latinLnBrk="0" hangingPunct="1">
-        <a:defRPr sz="1982" kern="1200">
+      <a:lvl8pPr marL="3520440" algn="l" defTabSz="1005840" rtl="0" eaLnBrk="1" latinLnBrk="0" hangingPunct="1">
+        <a:defRPr sz="1980" kern="1200">
           <a:solidFill>
             <a:schemeClr val="tx1"/>
           </a:solidFill>
@@ -3371,8 +3769,8 @@
           <a:cs typeface="+mn-cs"/>
         </a:defRPr>
       </a:lvl8pPr>
-      <a:lvl9pPr marL="4027018" algn="l" defTabSz="1006754" rtl="0" eaLnBrk="1" latinLnBrk="0" hangingPunct="1">
-        <a:defRPr sz="1982" kern="1200">
+      <a:lvl9pPr marL="4023360" algn="l" defTabSz="1005840" rtl="0" eaLnBrk="1" latinLnBrk="0" hangingPunct="1">
+        <a:defRPr sz="1980" kern="1200">
           <a:solidFill>
             <a:schemeClr val="tx1"/>
           </a:solidFill>
@@ -3405,10 +3803,10 @@
       </p:grpSpPr>
       <p:sp>
         <p:nvSpPr>
-          <p:cNvPr id="4" name="Title 3">
+          <p:cNvPr id="2" name="Title 1">
             <a:extLst>
               <a:ext uri="{FF2B5EF4-FFF2-40B4-BE49-F238E27FC236}">
-                <a16:creationId xmlns:a16="http://schemas.microsoft.com/office/drawing/2014/main" id="{70A80F33-49A1-4DB6-B18F-B62E939284FD}"/>
+                <a16:creationId xmlns:a16="http://schemas.microsoft.com/office/drawing/2014/main" id="{AB45B152-1D70-2D4C-73CB-70635FF2CDCA}"/>
               </a:ext>
             </a:extLst>
           </p:cNvPr>
@@ -3416,14 +3814,12 @@
             <a:spLocks noGrp="1"/>
           </p:cNvSpPr>
           <p:nvPr>
-            <p:ph type="title"/>
+            <p:ph type="ctrTitle"/>
           </p:nvPr>
         </p:nvSpPr>
         <p:spPr/>
         <p:txBody>
-          <a:bodyPr>
-            <a:normAutofit fontScale="90000"/>
-          </a:bodyPr>
+          <a:bodyPr/>
           <a:lstStyle/>
           <a:p>
             <a:endParaRPr lang="en-US"/>
@@ -3432,10 +3828,10 @@
       </p:sp>
       <p:sp>
         <p:nvSpPr>
-          <p:cNvPr id="5" name="Content Placeholder 4">
+          <p:cNvPr id="3" name="Subtitle 2">
             <a:extLst>
               <a:ext uri="{FF2B5EF4-FFF2-40B4-BE49-F238E27FC236}">
-                <a16:creationId xmlns:a16="http://schemas.microsoft.com/office/drawing/2014/main" id="{0B8A421F-7CD3-4A71-AAC9-B50B58FABDDC}"/>
+                <a16:creationId xmlns:a16="http://schemas.microsoft.com/office/drawing/2014/main" id="{1C555A1C-5342-200B-4EB8-B2284BBA1372}"/>
               </a:ext>
             </a:extLst>
           </p:cNvPr>
@@ -3443,7 +3839,7 @@
             <a:spLocks noGrp="1"/>
           </p:cNvSpPr>
           <p:nvPr>
-            <p:ph idx="1"/>
+            <p:ph type="subTitle" idx="1"/>
           </p:nvPr>
         </p:nvSpPr>
         <p:spPr/>
@@ -3451,14 +3847,14 @@
           <a:bodyPr/>
           <a:lstStyle/>
           <a:p>
-            <a:endParaRPr lang="en-US"/>
+            <a:endParaRPr lang="en-US" dirty="0"/>
           </a:p>
         </p:txBody>
       </p:sp>
     </p:spTree>
     <p:extLst>
       <p:ext uri="{BB962C8B-B14F-4D97-AF65-F5344CB8AC3E}">
-        <p14:creationId xmlns:p14="http://schemas.microsoft.com/office/powerpoint/2010/main" val="2264278338"/>
+        <p14:creationId xmlns:p14="http://schemas.microsoft.com/office/powerpoint/2010/main" val="2328704639"/>
       </p:ext>
     </p:extLst>
   </p:cSld>

--- a/template-bofa.pptx
+++ b/template-bofa.pptx
@@ -197,7 +197,7 @@
           <a:p>
             <a:fld id="{CC3AD12C-9F34-4086-BC49-03E04A3FD7E1}" type="datetimeFigureOut">
               <a:rPr lang="en-US" smtClean="0"/>
-              <a:t>6/28/23</a:t>
+              <a:t>7/5/23</a:t>
             </a:fld>
             <a:endParaRPr lang="en-US"/>
           </a:p>
@@ -481,6 +481,42 @@
           <a:chExt cx="0" cy="0"/>
         </a:xfrm>
       </p:grpSpPr>
+      <p:pic>
+        <p:nvPicPr>
+          <p:cNvPr id="11" name="Picture 10">
+            <a:extLst>
+              <a:ext uri="{FF2B5EF4-FFF2-40B4-BE49-F238E27FC236}">
+                <a16:creationId xmlns:a16="http://schemas.microsoft.com/office/drawing/2014/main" id="{49992711-36BF-E872-6AD6-F65E57EAA4DB}"/>
+              </a:ext>
+            </a:extLst>
+          </p:cNvPr>
+          <p:cNvPicPr>
+            <a:picLocks noChangeAspect="1"/>
+          </p:cNvPicPr>
+          <p:nvPr userDrawn="1"/>
+        </p:nvPicPr>
+        <p:blipFill>
+          <a:blip r:embed="rId2">
+            <a:extLst>
+              <a:ext uri="{28A0092B-C50C-407E-A947-70E740481C1C}">
+                <a14:useLocalDpi xmlns:a14="http://schemas.microsoft.com/office/drawing/2010/main" val="0"/>
+              </a:ext>
+            </a:extLst>
+          </a:blip>
+          <a:stretch>
+            <a:fillRect/>
+          </a:stretch>
+        </p:blipFill>
+        <p:spPr>
+          <a:xfrm>
+            <a:off x="0" y="1901952"/>
+            <a:ext cx="10084722" cy="4087368"/>
+          </a:xfrm>
+          <a:prstGeom prst="rect">
+            <a:avLst/>
+          </a:prstGeom>
+        </p:spPr>
+      </p:pic>
       <p:sp>
         <p:nvSpPr>
           <p:cNvPr id="2" name="Title 1"/>
@@ -493,17 +529,23 @@
         </p:nvSpPr>
         <p:spPr>
           <a:xfrm>
-            <a:off x="356616" y="1261872"/>
-            <a:ext cx="9354312" cy="722376"/>
-          </a:xfrm>
-        </p:spPr>
-        <p:txBody>
-          <a:bodyPr anchor="ctr">
+            <a:off x="356616" y="2795958"/>
+            <a:ext cx="6601232" cy="722376"/>
+          </a:xfrm>
+        </p:spPr>
+        <p:txBody>
+          <a:bodyPr anchor="b">
             <a:noAutofit/>
           </a:bodyPr>
           <a:lstStyle>
             <a:lvl1pPr algn="l">
-              <a:defRPr sz="4800" b="0">
+              <a:lnSpc>
+                <a:spcPts val="3600"/>
+              </a:lnSpc>
+              <a:defRPr sz="4000" b="1">
+                <a:solidFill>
+                  <a:schemeClr val="bg1"/>
+                </a:solidFill>
                 <a:latin typeface="Calibri" panose="020F0502020204030204" pitchFamily="34" charset="0"/>
                 <a:cs typeface="Calibri" panose="020F0502020204030204" pitchFamily="34" charset="0"/>
               </a:defRPr>
@@ -529,18 +571,24 @@
         </p:nvSpPr>
         <p:spPr>
           <a:xfrm>
-            <a:off x="356616" y="2139696"/>
-            <a:ext cx="9354312" cy="356616"/>
-          </a:xfrm>
-        </p:spPr>
-        <p:txBody>
-          <a:bodyPr anchor="ctr">
+            <a:off x="356616" y="3810416"/>
+            <a:ext cx="6601232" cy="356616"/>
+          </a:xfrm>
+        </p:spPr>
+        <p:txBody>
+          <a:bodyPr anchor="b">
             <a:noAutofit/>
           </a:bodyPr>
           <a:lstStyle>
             <a:lvl1pPr marL="0" indent="0" algn="l">
               <a:buNone/>
-              <a:defRPr sz="2400"/>
+              <a:defRPr sz="2000">
+                <a:solidFill>
+                  <a:schemeClr val="bg1">
+                    <a:lumMod val="85000"/>
+                  </a:schemeClr>
+                </a:solidFill>
+              </a:defRPr>
             </a:lvl1pPr>
             <a:lvl2pPr marL="502920" indent="0" algn="ctr">
               <a:buNone/>
@@ -585,42 +633,6 @@
       </p:sp>
       <p:pic>
         <p:nvPicPr>
-          <p:cNvPr id="7" name="Picture 6">
-            <a:extLst>
-              <a:ext uri="{FF2B5EF4-FFF2-40B4-BE49-F238E27FC236}">
-                <a16:creationId xmlns:a16="http://schemas.microsoft.com/office/drawing/2014/main" id="{F2262B54-817E-FA07-354A-2206A17060F4}"/>
-              </a:ext>
-            </a:extLst>
-          </p:cNvPr>
-          <p:cNvPicPr>
-            <a:picLocks/>
-          </p:cNvPicPr>
-          <p:nvPr userDrawn="1"/>
-        </p:nvPicPr>
-        <p:blipFill>
-          <a:blip r:embed="rId2">
-            <a:extLst>
-              <a:ext uri="{28A0092B-C50C-407E-A947-70E740481C1C}">
-                <a14:useLocalDpi xmlns:a14="http://schemas.microsoft.com/office/drawing/2010/main" val="0"/>
-              </a:ext>
-            </a:extLst>
-          </a:blip>
-          <a:stretch>
-            <a:fillRect/>
-          </a:stretch>
-        </p:blipFill>
-        <p:spPr>
-          <a:xfrm>
-            <a:off x="0" y="4882896"/>
-            <a:ext cx="10067544" cy="1161288"/>
-          </a:xfrm>
-          <a:prstGeom prst="rect">
-            <a:avLst/>
-          </a:prstGeom>
-        </p:spPr>
-      </p:pic>
-      <p:pic>
-        <p:nvPicPr>
           <p:cNvPr id="8" name="Picture 7">
             <a:extLst>
               <a:ext uri="{FF2B5EF4-FFF2-40B4-BE49-F238E27FC236}">
@@ -684,8 +696,8 @@
         </p:blipFill>
         <p:spPr bwMode="auto">
           <a:xfrm>
-            <a:off x="7430799" y="6300216"/>
-            <a:ext cx="2214080" cy="1208790"/>
+            <a:off x="7606215" y="6415790"/>
+            <a:ext cx="2038664" cy="1113020"/>
           </a:xfrm>
           <a:prstGeom prst="rect">
             <a:avLst/>
@@ -712,58 +724,36 @@
             <p:ph type="dt" sz="half" idx="10"/>
           </p:nvPr>
         </p:nvSpPr>
-        <p:spPr/>
-        <p:txBody>
-          <a:bodyPr/>
-          <a:lstStyle/>
-          <a:p>
-            <a:fld id="{B35CD269-42B5-4067-A42B-F772DEB587E1}" type="datetimeFigureOut">
+        <p:spPr>
+          <a:xfrm>
+            <a:off x="356616" y="4120525"/>
+            <a:ext cx="2265283" cy="356616"/>
+          </a:xfrm>
+          <a:prstGeom prst="rect">
+            <a:avLst/>
+          </a:prstGeom>
+        </p:spPr>
+        <p:txBody>
+          <a:bodyPr anchor="t"/>
+          <a:lstStyle>
+            <a:lvl1pPr algn="l">
+              <a:defRPr sz="2000">
+                <a:solidFill>
+                  <a:schemeClr val="bg1">
+                    <a:lumMod val="85000"/>
+                  </a:schemeClr>
+                </a:solidFill>
+                <a:latin typeface="Calibri" panose="020F0502020204030204" pitchFamily="34" charset="0"/>
+                <a:cs typeface="Calibri" panose="020F0502020204030204" pitchFamily="34" charset="0"/>
+              </a:defRPr>
+            </a:lvl1pPr>
+          </a:lstStyle>
+          <a:p>
+            <a:fld id="{DA2CBBD1-0BD6-7B4F-AC90-15CD32335A31}" type="datetime4">
               <a:rPr lang="en-US" smtClean="0"/>
-              <a:t>6/28/23</a:t>
+              <a:t>July 5, 2023</a:t>
             </a:fld>
-            <a:endParaRPr lang="en-US"/>
-          </a:p>
-        </p:txBody>
-      </p:sp>
-      <p:sp>
-        <p:nvSpPr>
-          <p:cNvPr id="5" name="Footer Placeholder 4"/>
-          <p:cNvSpPr>
-            <a:spLocks noGrp="1"/>
-          </p:cNvSpPr>
-          <p:nvPr>
-            <p:ph type="ftr" sz="quarter" idx="11"/>
-          </p:nvPr>
-        </p:nvSpPr>
-        <p:spPr/>
-        <p:txBody>
-          <a:bodyPr/>
-          <a:lstStyle/>
-          <a:p>
-            <a:endParaRPr lang="en-US"/>
-          </a:p>
-        </p:txBody>
-      </p:sp>
-      <p:sp>
-        <p:nvSpPr>
-          <p:cNvPr id="6" name="Slide Number Placeholder 5"/>
-          <p:cNvSpPr>
-            <a:spLocks noGrp="1"/>
-          </p:cNvSpPr>
-          <p:nvPr>
-            <p:ph type="sldNum" sz="quarter" idx="12"/>
-          </p:nvPr>
-        </p:nvSpPr>
-        <p:spPr/>
-        <p:txBody>
-          <a:bodyPr/>
-          <a:lstStyle/>
-          <a:p>
-            <a:fld id="{141F55E9-9A83-45A8-A91F-A02EDC2352D1}" type="slidenum">
-              <a:rPr lang="en-US" smtClean="0"/>
-              <a:t>‹#›</a:t>
-            </a:fld>
-            <a:endParaRPr lang="en-US"/>
+            <a:endParaRPr lang="en-US" dirty="0"/>
           </a:p>
         </p:txBody>
       </p:sp>
@@ -771,433 +761,6 @@
     <p:extLst>
       <p:ext uri="{BB962C8B-B14F-4D97-AF65-F5344CB8AC3E}">
         <p14:creationId xmlns:p14="http://schemas.microsoft.com/office/powerpoint/2010/main" val="3645923242"/>
-      </p:ext>
-    </p:extLst>
-  </p:cSld>
-  <p:clrMapOvr>
-    <a:masterClrMapping/>
-  </p:clrMapOvr>
-</p:sldLayout>
-</file>
-
-<file path=ppt/slideLayouts/slideLayout10.xml><?xml version="1.0" encoding="utf-8"?>
-<p:sldLayout xmlns:a="http://schemas.openxmlformats.org/drawingml/2006/main" xmlns:r="http://schemas.openxmlformats.org/officeDocument/2006/relationships" xmlns:p="http://schemas.openxmlformats.org/presentationml/2006/main" type="vertTx" preserve="1">
-  <p:cSld name="Title and Vertical Text">
-    <p:spTree>
-      <p:nvGrpSpPr>
-        <p:cNvPr id="1" name=""/>
-        <p:cNvGrpSpPr/>
-        <p:nvPr/>
-      </p:nvGrpSpPr>
-      <p:grpSpPr>
-        <a:xfrm>
-          <a:off x="0" y="0"/>
-          <a:ext cx="0" cy="0"/>
-          <a:chOff x="0" y="0"/>
-          <a:chExt cx="0" cy="0"/>
-        </a:xfrm>
-      </p:grpSpPr>
-      <p:sp>
-        <p:nvSpPr>
-          <p:cNvPr id="2" name="Title 1"/>
-          <p:cNvSpPr>
-            <a:spLocks noGrp="1"/>
-          </p:cNvSpPr>
-          <p:nvPr>
-            <p:ph type="title"/>
-          </p:nvPr>
-        </p:nvSpPr>
-        <p:spPr/>
-        <p:txBody>
-          <a:bodyPr/>
-          <a:lstStyle/>
-          <a:p>
-            <a:r>
-              <a:rPr lang="en-US"/>
-              <a:t>Click to edit Master title style</a:t>
-            </a:r>
-            <a:endParaRPr lang="en-US" dirty="0"/>
-          </a:p>
-        </p:txBody>
-      </p:sp>
-      <p:sp>
-        <p:nvSpPr>
-          <p:cNvPr id="3" name="Vertical Text Placeholder 2"/>
-          <p:cNvSpPr>
-            <a:spLocks noGrp="1"/>
-          </p:cNvSpPr>
-          <p:nvPr>
-            <p:ph type="body" orient="vert" idx="1"/>
-          </p:nvPr>
-        </p:nvSpPr>
-        <p:spPr/>
-        <p:txBody>
-          <a:bodyPr vert="eaVert"/>
-          <a:lstStyle/>
-          <a:p>
-            <a:pPr lvl="0"/>
-            <a:r>
-              <a:rPr lang="en-US"/>
-              <a:t>Click to edit Master text styles</a:t>
-            </a:r>
-          </a:p>
-          <a:p>
-            <a:pPr lvl="1"/>
-            <a:r>
-              <a:rPr lang="en-US"/>
-              <a:t>Second level</a:t>
-            </a:r>
-          </a:p>
-          <a:p>
-            <a:pPr lvl="2"/>
-            <a:r>
-              <a:rPr lang="en-US"/>
-              <a:t>Third level</a:t>
-            </a:r>
-          </a:p>
-          <a:p>
-            <a:pPr lvl="3"/>
-            <a:r>
-              <a:rPr lang="en-US"/>
-              <a:t>Fourth level</a:t>
-            </a:r>
-          </a:p>
-          <a:p>
-            <a:pPr lvl="4"/>
-            <a:r>
-              <a:rPr lang="en-US"/>
-              <a:t>Fifth level</a:t>
-            </a:r>
-            <a:endParaRPr lang="en-US" dirty="0"/>
-          </a:p>
-        </p:txBody>
-      </p:sp>
-      <p:sp>
-        <p:nvSpPr>
-          <p:cNvPr id="4" name="Date Placeholder 3"/>
-          <p:cNvSpPr>
-            <a:spLocks noGrp="1"/>
-          </p:cNvSpPr>
-          <p:nvPr>
-            <p:ph type="dt" sz="half" idx="10"/>
-          </p:nvPr>
-        </p:nvSpPr>
-        <p:spPr/>
-        <p:txBody>
-          <a:bodyPr/>
-          <a:lstStyle/>
-          <a:p>
-            <a:fld id="{B35CD269-42B5-4067-A42B-F772DEB587E1}" type="datetimeFigureOut">
-              <a:rPr lang="en-US" smtClean="0"/>
-              <a:t>6/28/23</a:t>
-            </a:fld>
-            <a:endParaRPr lang="en-US"/>
-          </a:p>
-        </p:txBody>
-      </p:sp>
-      <p:sp>
-        <p:nvSpPr>
-          <p:cNvPr id="5" name="Footer Placeholder 4"/>
-          <p:cNvSpPr>
-            <a:spLocks noGrp="1"/>
-          </p:cNvSpPr>
-          <p:nvPr>
-            <p:ph type="ftr" sz="quarter" idx="11"/>
-          </p:nvPr>
-        </p:nvSpPr>
-        <p:spPr/>
-        <p:txBody>
-          <a:bodyPr/>
-          <a:lstStyle/>
-          <a:p>
-            <a:endParaRPr lang="en-US"/>
-          </a:p>
-        </p:txBody>
-      </p:sp>
-      <p:sp>
-        <p:nvSpPr>
-          <p:cNvPr id="6" name="Slide Number Placeholder 5"/>
-          <p:cNvSpPr>
-            <a:spLocks noGrp="1"/>
-          </p:cNvSpPr>
-          <p:nvPr>
-            <p:ph type="sldNum" sz="quarter" idx="12"/>
-          </p:nvPr>
-        </p:nvSpPr>
-        <p:spPr/>
-        <p:txBody>
-          <a:bodyPr/>
-          <a:lstStyle/>
-          <a:p>
-            <a:fld id="{141F55E9-9A83-45A8-A91F-A02EDC2352D1}" type="slidenum">
-              <a:rPr lang="en-US" smtClean="0"/>
-              <a:t>‹#›</a:t>
-            </a:fld>
-            <a:endParaRPr lang="en-US"/>
-          </a:p>
-        </p:txBody>
-      </p:sp>
-      <p:cxnSp>
-        <p:nvCxnSpPr>
-          <p:cNvPr id="7" name="Straight Connector 6">
-            <a:extLst>
-              <a:ext uri="{FF2B5EF4-FFF2-40B4-BE49-F238E27FC236}">
-                <a16:creationId xmlns:a16="http://schemas.microsoft.com/office/drawing/2014/main" id="{0B38BA5A-92F2-C5FD-B121-DC4F26ED4687}"/>
-              </a:ext>
-            </a:extLst>
-          </p:cNvPr>
-          <p:cNvCxnSpPr/>
-          <p:nvPr userDrawn="1"/>
-        </p:nvCxnSpPr>
-        <p:spPr>
-          <a:xfrm>
-            <a:off x="356616" y="976256"/>
-            <a:ext cx="9345168" cy="0"/>
-          </a:xfrm>
-          <a:prstGeom prst="line">
-            <a:avLst/>
-          </a:prstGeom>
-          <a:ln w="19050">
-            <a:solidFill>
-              <a:schemeClr val="tx1"/>
-            </a:solidFill>
-          </a:ln>
-        </p:spPr>
-        <p:style>
-          <a:lnRef idx="1">
-            <a:schemeClr val="dk1"/>
-          </a:lnRef>
-          <a:fillRef idx="0">
-            <a:schemeClr val="dk1"/>
-          </a:fillRef>
-          <a:effectRef idx="0">
-            <a:schemeClr val="dk1"/>
-          </a:effectRef>
-          <a:fontRef idx="minor">
-            <a:schemeClr val="tx1"/>
-          </a:fontRef>
-        </p:style>
-      </p:cxnSp>
-      <p:pic>
-        <p:nvPicPr>
-          <p:cNvPr id="8" name="Picture 7">
-            <a:extLst>
-              <a:ext uri="{FF2B5EF4-FFF2-40B4-BE49-F238E27FC236}">
-                <a16:creationId xmlns:a16="http://schemas.microsoft.com/office/drawing/2014/main" id="{1DD45F37-D8D0-420B-F29B-C8B18ABD57D8}"/>
-              </a:ext>
-            </a:extLst>
-          </p:cNvPr>
-          <p:cNvPicPr>
-            <a:picLocks noChangeAspect="1"/>
-          </p:cNvPicPr>
-          <p:nvPr userDrawn="1"/>
-        </p:nvPicPr>
-        <p:blipFill>
-          <a:blip r:embed="rId2">
-            <a:extLst>
-              <a:ext uri="{28A0092B-C50C-407E-A947-70E740481C1C}">
-                <a14:useLocalDpi xmlns:a14="http://schemas.microsoft.com/office/drawing/2010/main" val="0"/>
-              </a:ext>
-            </a:extLst>
-          </a:blip>
-          <a:stretch>
-            <a:fillRect/>
-          </a:stretch>
-        </p:blipFill>
-        <p:spPr>
-          <a:xfrm>
-            <a:off x="8357622" y="346127"/>
-            <a:ext cx="1370585" cy="337252"/>
-          </a:xfrm>
-          <a:prstGeom prst="rect">
-            <a:avLst/>
-          </a:prstGeom>
-        </p:spPr>
-      </p:pic>
-    </p:spTree>
-    <p:extLst>
-      <p:ext uri="{BB962C8B-B14F-4D97-AF65-F5344CB8AC3E}">
-        <p14:creationId xmlns:p14="http://schemas.microsoft.com/office/powerpoint/2010/main" val="3513375297"/>
-      </p:ext>
-    </p:extLst>
-  </p:cSld>
-  <p:clrMapOvr>
-    <a:masterClrMapping/>
-  </p:clrMapOvr>
-</p:sldLayout>
-</file>
-
-<file path=ppt/slideLayouts/slideLayout11.xml><?xml version="1.0" encoding="utf-8"?>
-<p:sldLayout xmlns:a="http://schemas.openxmlformats.org/drawingml/2006/main" xmlns:r="http://schemas.openxmlformats.org/officeDocument/2006/relationships" xmlns:p="http://schemas.openxmlformats.org/presentationml/2006/main" type="vertTitleAndTx" preserve="1">
-  <p:cSld name="Vertical Title and Text">
-    <p:spTree>
-      <p:nvGrpSpPr>
-        <p:cNvPr id="1" name=""/>
-        <p:cNvGrpSpPr/>
-        <p:nvPr/>
-      </p:nvGrpSpPr>
-      <p:grpSpPr>
-        <a:xfrm>
-          <a:off x="0" y="0"/>
-          <a:ext cx="0" cy="0"/>
-          <a:chOff x="0" y="0"/>
-          <a:chExt cx="0" cy="0"/>
-        </a:xfrm>
-      </p:grpSpPr>
-      <p:sp>
-        <p:nvSpPr>
-          <p:cNvPr id="2" name="Vertical Title 1"/>
-          <p:cNvSpPr>
-            <a:spLocks noGrp="1"/>
-          </p:cNvSpPr>
-          <p:nvPr>
-            <p:ph type="title" orient="vert"/>
-          </p:nvPr>
-        </p:nvSpPr>
-        <p:spPr>
-          <a:xfrm>
-            <a:off x="7204860" y="401637"/>
-            <a:ext cx="2170896" cy="6393022"/>
-          </a:xfrm>
-        </p:spPr>
-        <p:txBody>
-          <a:bodyPr vert="eaVert"/>
-          <a:lstStyle/>
-          <a:p>
-            <a:r>
-              <a:rPr lang="en-US"/>
-              <a:t>Click to edit Master title style</a:t>
-            </a:r>
-            <a:endParaRPr lang="en-US" dirty="0"/>
-          </a:p>
-        </p:txBody>
-      </p:sp>
-      <p:sp>
-        <p:nvSpPr>
-          <p:cNvPr id="3" name="Vertical Text Placeholder 2"/>
-          <p:cNvSpPr>
-            <a:spLocks noGrp="1"/>
-          </p:cNvSpPr>
-          <p:nvPr>
-            <p:ph type="body" orient="vert" idx="1"/>
-          </p:nvPr>
-        </p:nvSpPr>
-        <p:spPr>
-          <a:xfrm>
-            <a:off x="692170" y="401637"/>
-            <a:ext cx="6386840" cy="6393022"/>
-          </a:xfrm>
-        </p:spPr>
-        <p:txBody>
-          <a:bodyPr vert="eaVert"/>
-          <a:lstStyle/>
-          <a:p>
-            <a:pPr lvl="0"/>
-            <a:r>
-              <a:rPr lang="en-US"/>
-              <a:t>Click to edit Master text styles</a:t>
-            </a:r>
-          </a:p>
-          <a:p>
-            <a:pPr lvl="1"/>
-            <a:r>
-              <a:rPr lang="en-US"/>
-              <a:t>Second level</a:t>
-            </a:r>
-          </a:p>
-          <a:p>
-            <a:pPr lvl="2"/>
-            <a:r>
-              <a:rPr lang="en-US"/>
-              <a:t>Third level</a:t>
-            </a:r>
-          </a:p>
-          <a:p>
-            <a:pPr lvl="3"/>
-            <a:r>
-              <a:rPr lang="en-US"/>
-              <a:t>Fourth level</a:t>
-            </a:r>
-          </a:p>
-          <a:p>
-            <a:pPr lvl="4"/>
-            <a:r>
-              <a:rPr lang="en-US"/>
-              <a:t>Fifth level</a:t>
-            </a:r>
-            <a:endParaRPr lang="en-US" dirty="0"/>
-          </a:p>
-        </p:txBody>
-      </p:sp>
-      <p:sp>
-        <p:nvSpPr>
-          <p:cNvPr id="4" name="Date Placeholder 3"/>
-          <p:cNvSpPr>
-            <a:spLocks noGrp="1"/>
-          </p:cNvSpPr>
-          <p:nvPr>
-            <p:ph type="dt" sz="half" idx="10"/>
-          </p:nvPr>
-        </p:nvSpPr>
-        <p:spPr/>
-        <p:txBody>
-          <a:bodyPr/>
-          <a:lstStyle/>
-          <a:p>
-            <a:fld id="{B35CD269-42B5-4067-A42B-F772DEB587E1}" type="datetimeFigureOut">
-              <a:rPr lang="en-US" smtClean="0"/>
-              <a:t>6/28/23</a:t>
-            </a:fld>
-            <a:endParaRPr lang="en-US"/>
-          </a:p>
-        </p:txBody>
-      </p:sp>
-      <p:sp>
-        <p:nvSpPr>
-          <p:cNvPr id="5" name="Footer Placeholder 4"/>
-          <p:cNvSpPr>
-            <a:spLocks noGrp="1"/>
-          </p:cNvSpPr>
-          <p:nvPr>
-            <p:ph type="ftr" sz="quarter" idx="11"/>
-          </p:nvPr>
-        </p:nvSpPr>
-        <p:spPr/>
-        <p:txBody>
-          <a:bodyPr/>
-          <a:lstStyle/>
-          <a:p>
-            <a:endParaRPr lang="en-US"/>
-          </a:p>
-        </p:txBody>
-      </p:sp>
-      <p:sp>
-        <p:nvSpPr>
-          <p:cNvPr id="6" name="Slide Number Placeholder 5"/>
-          <p:cNvSpPr>
-            <a:spLocks noGrp="1"/>
-          </p:cNvSpPr>
-          <p:nvPr>
-            <p:ph type="sldNum" sz="quarter" idx="12"/>
-          </p:nvPr>
-        </p:nvSpPr>
-        <p:spPr/>
-        <p:txBody>
-          <a:bodyPr/>
-          <a:lstStyle/>
-          <a:p>
-            <a:fld id="{141F55E9-9A83-45A8-A91F-A02EDC2352D1}" type="slidenum">
-              <a:rPr lang="en-US" smtClean="0"/>
-              <a:t>‹#›</a:t>
-            </a:fld>
-            <a:endParaRPr lang="en-US"/>
-          </a:p>
-        </p:txBody>
-      </p:sp>
-    </p:spTree>
-    <p:extLst>
-      <p:ext uri="{BB962C8B-B14F-4D97-AF65-F5344CB8AC3E}">
-        <p14:creationId xmlns:p14="http://schemas.microsoft.com/office/powerpoint/2010/main" val="4033015783"/>
       </p:ext>
     </p:extLst>
   </p:cSld>
@@ -1263,80 +826,37 @@
           <a:p>
             <a:pPr lvl="0"/>
             <a:r>
-              <a:rPr lang="en-US"/>
+              <a:rPr lang="en-US" dirty="0"/>
               <a:t>Click to edit Master text styles</a:t>
             </a:r>
           </a:p>
           <a:p>
             <a:pPr lvl="1"/>
             <a:r>
-              <a:rPr lang="en-US"/>
+              <a:rPr lang="en-US" dirty="0"/>
               <a:t>Second level</a:t>
             </a:r>
           </a:p>
           <a:p>
             <a:pPr lvl="2"/>
             <a:r>
-              <a:rPr lang="en-US"/>
+              <a:rPr lang="en-US" dirty="0"/>
               <a:t>Third level</a:t>
             </a:r>
           </a:p>
           <a:p>
             <a:pPr lvl="3"/>
             <a:r>
-              <a:rPr lang="en-US"/>
+              <a:rPr lang="en-US" dirty="0"/>
               <a:t>Fourth level</a:t>
             </a:r>
           </a:p>
           <a:p>
             <a:pPr lvl="4"/>
             <a:r>
-              <a:rPr lang="en-US"/>
+              <a:rPr lang="en-US" dirty="0"/>
               <a:t>Fifth level</a:t>
             </a:r>
-            <a:endParaRPr lang="en-US" dirty="0"/>
-          </a:p>
-        </p:txBody>
-      </p:sp>
-      <p:sp>
-        <p:nvSpPr>
-          <p:cNvPr id="4" name="Date Placeholder 3"/>
-          <p:cNvSpPr>
-            <a:spLocks noGrp="1"/>
-          </p:cNvSpPr>
-          <p:nvPr>
-            <p:ph type="dt" sz="half" idx="10"/>
-          </p:nvPr>
-        </p:nvSpPr>
-        <p:spPr/>
-        <p:txBody>
-          <a:bodyPr/>
-          <a:lstStyle/>
-          <a:p>
-            <a:fld id="{B35CD269-42B5-4067-A42B-F772DEB587E1}" type="datetimeFigureOut">
-              <a:rPr lang="en-US" smtClean="0"/>
-              <a:t>6/28/23</a:t>
-            </a:fld>
-            <a:endParaRPr lang="en-US"/>
-          </a:p>
-        </p:txBody>
-      </p:sp>
-      <p:sp>
-        <p:nvSpPr>
-          <p:cNvPr id="5" name="Footer Placeholder 4"/>
-          <p:cNvSpPr>
-            <a:spLocks noGrp="1"/>
-          </p:cNvSpPr>
-          <p:nvPr>
-            <p:ph type="ftr" sz="quarter" idx="11"/>
-          </p:nvPr>
-        </p:nvSpPr>
-        <p:spPr/>
-        <p:txBody>
-          <a:bodyPr/>
-          <a:lstStyle/>
-          <a:p>
-            <a:endParaRPr lang="en-US"/>
           </a:p>
         </p:txBody>
       </p:sp>
@@ -1472,6 +992,51 @@
           </a:prstGeom>
         </p:spPr>
       </p:pic>
+      <p:sp>
+        <p:nvSpPr>
+          <p:cNvPr id="10" name="Footer Placeholder 4">
+            <a:extLst>
+              <a:ext uri="{FF2B5EF4-FFF2-40B4-BE49-F238E27FC236}">
+                <a16:creationId xmlns:a16="http://schemas.microsoft.com/office/drawing/2014/main" id="{A067A761-BDC4-350D-AB75-58BCC49CA6D6}"/>
+              </a:ext>
+            </a:extLst>
+          </p:cNvPr>
+          <p:cNvSpPr>
+            <a:spLocks noGrp="1"/>
+          </p:cNvSpPr>
+          <p:nvPr>
+            <p:ph type="ftr" sz="quarter" idx="3"/>
+          </p:nvPr>
+        </p:nvSpPr>
+        <p:spPr>
+          <a:xfrm>
+            <a:off x="3335000" y="7187184"/>
+            <a:ext cx="3397925" cy="182880"/>
+          </a:xfrm>
+          <a:prstGeom prst="rect">
+            <a:avLst/>
+          </a:prstGeom>
+        </p:spPr>
+        <p:txBody>
+          <a:bodyPr vert="horz" lIns="91440" tIns="45720" rIns="91440" bIns="45720" rtlCol="0" anchor="ctr"/>
+          <a:lstStyle>
+            <a:lvl1pPr algn="ctr">
+              <a:defRPr sz="1000">
+                <a:solidFill>
+                  <a:schemeClr val="tx1">
+                    <a:tint val="75000"/>
+                  </a:schemeClr>
+                </a:solidFill>
+                <a:latin typeface="Calibri" panose="020F0502020204030204" pitchFamily="34" charset="0"/>
+                <a:cs typeface="Calibri" panose="020F0502020204030204" pitchFamily="34" charset="0"/>
+              </a:defRPr>
+            </a:lvl1pPr>
+          </a:lstStyle>
+          <a:p>
+            <a:endParaRPr lang="en-US" dirty="0"/>
+          </a:p>
+        </p:txBody>
+      </p:sp>
     </p:spTree>
     <p:extLst>
       <p:ext uri="{BB962C8B-B14F-4D97-AF65-F5344CB8AC3E}">
@@ -1486,7 +1051,7 @@
 </file>
 
 <file path=ppt/slideLayouts/slideLayout3.xml><?xml version="1.0" encoding="utf-8"?>
-<p:sldLayout xmlns:a="http://schemas.openxmlformats.org/drawingml/2006/main" xmlns:r="http://schemas.openxmlformats.org/officeDocument/2006/relationships" xmlns:p="http://schemas.openxmlformats.org/presentationml/2006/main" type="secHead" preserve="1">
+<p:sldLayout xmlns:a="http://schemas.openxmlformats.org/drawingml/2006/main" xmlns:r="http://schemas.openxmlformats.org/officeDocument/2006/relationships" xmlns:p="http://schemas.openxmlformats.org/presentationml/2006/main" preserve="1" userDrawn="1">
   <p:cSld name="Section Header">
     <p:spTree>
       <p:nvGrpSpPr>
@@ -1502,217 +1067,164 @@
           <a:chExt cx="0" cy="0"/>
         </a:xfrm>
       </p:grpSpPr>
-      <p:sp>
-        <p:nvSpPr>
-          <p:cNvPr id="2" name="Title 1"/>
-          <p:cNvSpPr>
-            <a:spLocks noGrp="1"/>
-          </p:cNvSpPr>
-          <p:nvPr>
-            <p:ph type="title"/>
-          </p:nvPr>
-        </p:nvSpPr>
-        <p:spPr>
-          <a:xfrm>
-            <a:off x="686927" y="1880713"/>
-            <a:ext cx="8683585" cy="3138011"/>
-          </a:xfrm>
-        </p:spPr>
-        <p:txBody>
-          <a:bodyPr anchor="b"/>
+      <p:pic>
+        <p:nvPicPr>
+          <p:cNvPr id="7" name="Picture 6">
+            <a:extLst>
+              <a:ext uri="{FF2B5EF4-FFF2-40B4-BE49-F238E27FC236}">
+                <a16:creationId xmlns:a16="http://schemas.microsoft.com/office/drawing/2014/main" id="{82A55E60-FD00-32E6-E272-1DEED47CD015}"/>
+              </a:ext>
+            </a:extLst>
+          </p:cNvPr>
+          <p:cNvPicPr>
+            <a:picLocks/>
+          </p:cNvPicPr>
+          <p:nvPr userDrawn="1"/>
+        </p:nvPicPr>
+        <p:blipFill>
+          <a:blip r:embed="rId2">
+            <a:extLst>
+              <a:ext uri="{28A0092B-C50C-407E-A947-70E740481C1C}">
+                <a14:useLocalDpi xmlns:a14="http://schemas.microsoft.com/office/drawing/2010/main" val="0"/>
+              </a:ext>
+            </a:extLst>
+          </a:blip>
+          <a:stretch>
+            <a:fillRect/>
+          </a:stretch>
+        </p:blipFill>
+        <p:spPr>
+          <a:xfrm>
+            <a:off x="0" y="4882896"/>
+            <a:ext cx="10067544" cy="1161288"/>
+          </a:xfrm>
+          <a:prstGeom prst="rect">
+            <a:avLst/>
+          </a:prstGeom>
+        </p:spPr>
+      </p:pic>
+      <p:pic>
+        <p:nvPicPr>
+          <p:cNvPr id="8" name="Picture 7">
+            <a:extLst>
+              <a:ext uri="{FF2B5EF4-FFF2-40B4-BE49-F238E27FC236}">
+                <a16:creationId xmlns:a16="http://schemas.microsoft.com/office/drawing/2014/main" id="{6944175D-7FB0-B827-2BA8-40C98554F0EE}"/>
+              </a:ext>
+            </a:extLst>
+          </p:cNvPr>
+          <p:cNvPicPr>
+            <a:picLocks noChangeAspect="1"/>
+          </p:cNvPicPr>
+          <p:nvPr userDrawn="1"/>
+        </p:nvPicPr>
+        <p:blipFill>
+          <a:blip r:embed="rId3">
+            <a:extLst>
+              <a:ext uri="{28A0092B-C50C-407E-A947-70E740481C1C}">
+                <a14:useLocalDpi xmlns:a14="http://schemas.microsoft.com/office/drawing/2010/main" val="0"/>
+              </a:ext>
+            </a:extLst>
+          </a:blip>
+          <a:stretch>
+            <a:fillRect/>
+          </a:stretch>
+        </p:blipFill>
+        <p:spPr>
+          <a:xfrm>
+            <a:off x="356616" y="6665976"/>
+            <a:ext cx="2081015" cy="512064"/>
+          </a:xfrm>
+          <a:prstGeom prst="rect">
+            <a:avLst/>
+          </a:prstGeom>
+        </p:spPr>
+      </p:pic>
+      <p:pic>
+        <p:nvPicPr>
+          <p:cNvPr id="9" name="Picture 8" descr="VCU Logo">
+            <a:extLst>
+              <a:ext uri="{FF2B5EF4-FFF2-40B4-BE49-F238E27FC236}">
+                <a16:creationId xmlns:a16="http://schemas.microsoft.com/office/drawing/2014/main" id="{AD979F55-D34A-AA3B-E229-8E878BA11C2B}"/>
+              </a:ext>
+            </a:extLst>
+          </p:cNvPr>
+          <p:cNvPicPr>
+            <a:picLocks noChangeAspect="1" noChangeArrowheads="1"/>
+          </p:cNvPicPr>
+          <p:nvPr userDrawn="1"/>
+        </p:nvPicPr>
+        <p:blipFill>
+          <a:blip r:embed="rId4">
+            <a:extLst>
+              <a:ext uri="{28A0092B-C50C-407E-A947-70E740481C1C}">
+                <a14:useLocalDpi xmlns:a14="http://schemas.microsoft.com/office/drawing/2010/main" val="0"/>
+              </a:ext>
+            </a:extLst>
+          </a:blip>
+          <a:srcRect/>
+          <a:stretch>
+            <a:fillRect/>
+          </a:stretch>
+        </p:blipFill>
+        <p:spPr bwMode="auto">
+          <a:xfrm>
+            <a:off x="7430799" y="6326094"/>
+            <a:ext cx="2214080" cy="1208790"/>
+          </a:xfrm>
+          <a:prstGeom prst="rect">
+            <a:avLst/>
+          </a:prstGeom>
+          <a:noFill/>
+          <a:extLst>
+            <a:ext uri="{909E8E84-426E-40DD-AFC4-6F175D3DCCD1}">
+              <a14:hiddenFill xmlns:a14="http://schemas.microsoft.com/office/drawing/2010/main">
+                <a:solidFill>
+                  <a:srgbClr val="FFFFFF"/>
+                </a:solidFill>
+              </a14:hiddenFill>
+            </a:ext>
+          </a:extLst>
+        </p:spPr>
+      </p:pic>
+      <p:sp>
+        <p:nvSpPr>
+          <p:cNvPr id="12" name="Title 1">
+            <a:extLst>
+              <a:ext uri="{FF2B5EF4-FFF2-40B4-BE49-F238E27FC236}">
+                <a16:creationId xmlns:a16="http://schemas.microsoft.com/office/drawing/2014/main" id="{F813C0F5-0D35-693F-D383-750FEB585D56}"/>
+              </a:ext>
+            </a:extLst>
+          </p:cNvPr>
+          <p:cNvSpPr>
+            <a:spLocks noGrp="1"/>
+          </p:cNvSpPr>
+          <p:nvPr>
+            <p:ph type="ctrTitle"/>
+          </p:nvPr>
+        </p:nvSpPr>
+        <p:spPr>
+          <a:xfrm>
+            <a:off x="356616" y="3956065"/>
+            <a:ext cx="6601968" cy="722376"/>
+          </a:xfrm>
+        </p:spPr>
+        <p:txBody>
+          <a:bodyPr anchor="b">
+            <a:noAutofit/>
+          </a:bodyPr>
           <a:lstStyle>
-            <a:lvl1pPr>
-              <a:defRPr sz="6600"/>
+            <a:lvl1pPr algn="l">
+              <a:defRPr sz="4000" b="1">
+                <a:latin typeface="Calibri" panose="020F0502020204030204" pitchFamily="34" charset="0"/>
+                <a:cs typeface="Calibri" panose="020F0502020204030204" pitchFamily="34" charset="0"/>
+              </a:defRPr>
             </a:lvl1pPr>
           </a:lstStyle>
           <a:p>
             <a:r>
-              <a:rPr lang="en-US"/>
+              <a:rPr lang="en-US" dirty="0"/>
               <a:t>Click to edit Master title style</a:t>
             </a:r>
-            <a:endParaRPr lang="en-US" dirty="0"/>
-          </a:p>
-        </p:txBody>
-      </p:sp>
-      <p:sp>
-        <p:nvSpPr>
-          <p:cNvPr id="3" name="Text Placeholder 2"/>
-          <p:cNvSpPr>
-            <a:spLocks noGrp="1"/>
-          </p:cNvSpPr>
-          <p:nvPr>
-            <p:ph type="body" idx="1"/>
-          </p:nvPr>
-        </p:nvSpPr>
-        <p:spPr>
-          <a:xfrm>
-            <a:off x="686927" y="5048411"/>
-            <a:ext cx="8683585" cy="1650206"/>
-          </a:xfrm>
-        </p:spPr>
-        <p:txBody>
-          <a:bodyPr/>
-          <a:lstStyle>
-            <a:lvl1pPr marL="0" indent="0">
-              <a:buNone/>
-              <a:defRPr sz="2640">
-                <a:solidFill>
-                  <a:schemeClr val="tx1"/>
-                </a:solidFill>
-              </a:defRPr>
-            </a:lvl1pPr>
-            <a:lvl2pPr marL="502920" indent="0">
-              <a:buNone/>
-              <a:defRPr sz="2200">
-                <a:solidFill>
-                  <a:schemeClr val="tx1">
-                    <a:tint val="75000"/>
-                  </a:schemeClr>
-                </a:solidFill>
-              </a:defRPr>
-            </a:lvl2pPr>
-            <a:lvl3pPr marL="1005840" indent="0">
-              <a:buNone/>
-              <a:defRPr sz="1980">
-                <a:solidFill>
-                  <a:schemeClr val="tx1">
-                    <a:tint val="75000"/>
-                  </a:schemeClr>
-                </a:solidFill>
-              </a:defRPr>
-            </a:lvl3pPr>
-            <a:lvl4pPr marL="1508760" indent="0">
-              <a:buNone/>
-              <a:defRPr sz="1760">
-                <a:solidFill>
-                  <a:schemeClr val="tx1">
-                    <a:tint val="75000"/>
-                  </a:schemeClr>
-                </a:solidFill>
-              </a:defRPr>
-            </a:lvl4pPr>
-            <a:lvl5pPr marL="2011680" indent="0">
-              <a:buNone/>
-              <a:defRPr sz="1760">
-                <a:solidFill>
-                  <a:schemeClr val="tx1">
-                    <a:tint val="75000"/>
-                  </a:schemeClr>
-                </a:solidFill>
-              </a:defRPr>
-            </a:lvl5pPr>
-            <a:lvl6pPr marL="2514600" indent="0">
-              <a:buNone/>
-              <a:defRPr sz="1760">
-                <a:solidFill>
-                  <a:schemeClr val="tx1">
-                    <a:tint val="75000"/>
-                  </a:schemeClr>
-                </a:solidFill>
-              </a:defRPr>
-            </a:lvl6pPr>
-            <a:lvl7pPr marL="3017520" indent="0">
-              <a:buNone/>
-              <a:defRPr sz="1760">
-                <a:solidFill>
-                  <a:schemeClr val="tx1">
-                    <a:tint val="75000"/>
-                  </a:schemeClr>
-                </a:solidFill>
-              </a:defRPr>
-            </a:lvl7pPr>
-            <a:lvl8pPr marL="3520440" indent="0">
-              <a:buNone/>
-              <a:defRPr sz="1760">
-                <a:solidFill>
-                  <a:schemeClr val="tx1">
-                    <a:tint val="75000"/>
-                  </a:schemeClr>
-                </a:solidFill>
-              </a:defRPr>
-            </a:lvl8pPr>
-            <a:lvl9pPr marL="4023360" indent="0">
-              <a:buNone/>
-              <a:defRPr sz="1760">
-                <a:solidFill>
-                  <a:schemeClr val="tx1">
-                    <a:tint val="75000"/>
-                  </a:schemeClr>
-                </a:solidFill>
-              </a:defRPr>
-            </a:lvl9pPr>
-          </a:lstStyle>
-          <a:p>
-            <a:pPr lvl="0"/>
-            <a:r>
-              <a:rPr lang="en-US"/>
-              <a:t>Click to edit Master text styles</a:t>
-            </a:r>
-          </a:p>
-        </p:txBody>
-      </p:sp>
-      <p:sp>
-        <p:nvSpPr>
-          <p:cNvPr id="4" name="Date Placeholder 3"/>
-          <p:cNvSpPr>
-            <a:spLocks noGrp="1"/>
-          </p:cNvSpPr>
-          <p:nvPr>
-            <p:ph type="dt" sz="half" idx="10"/>
-          </p:nvPr>
-        </p:nvSpPr>
-        <p:spPr/>
-        <p:txBody>
-          <a:bodyPr/>
-          <a:lstStyle/>
-          <a:p>
-            <a:fld id="{B35CD269-42B5-4067-A42B-F772DEB587E1}" type="datetimeFigureOut">
-              <a:rPr lang="en-US" smtClean="0"/>
-              <a:t>6/28/23</a:t>
-            </a:fld>
-            <a:endParaRPr lang="en-US"/>
-          </a:p>
-        </p:txBody>
-      </p:sp>
-      <p:sp>
-        <p:nvSpPr>
-          <p:cNvPr id="5" name="Footer Placeholder 4"/>
-          <p:cNvSpPr>
-            <a:spLocks noGrp="1"/>
-          </p:cNvSpPr>
-          <p:nvPr>
-            <p:ph type="ftr" sz="quarter" idx="11"/>
-          </p:nvPr>
-        </p:nvSpPr>
-        <p:spPr/>
-        <p:txBody>
-          <a:bodyPr/>
-          <a:lstStyle/>
-          <a:p>
-            <a:endParaRPr lang="en-US"/>
-          </a:p>
-        </p:txBody>
-      </p:sp>
-      <p:sp>
-        <p:nvSpPr>
-          <p:cNvPr id="6" name="Slide Number Placeholder 5"/>
-          <p:cNvSpPr>
-            <a:spLocks noGrp="1"/>
-          </p:cNvSpPr>
-          <p:nvPr>
-            <p:ph type="sldNum" sz="quarter" idx="12"/>
-          </p:nvPr>
-        </p:nvSpPr>
-        <p:spPr/>
-        <p:txBody>
-          <a:bodyPr/>
-          <a:lstStyle/>
-          <a:p>
-            <a:fld id="{141F55E9-9A83-45A8-A91F-A02EDC2352D1}" type="slidenum">
-              <a:rPr lang="en-US" smtClean="0"/>
-              <a:t>‹#›</a:t>
-            </a:fld>
-            <a:endParaRPr lang="en-US"/>
           </a:p>
         </p:txBody>
       </p:sp>
@@ -1762,10 +1274,9 @@
           <a:lstStyle/>
           <a:p>
             <a:r>
-              <a:rPr lang="en-US"/>
+              <a:rPr lang="en-US" dirty="0"/>
               <a:t>Click to edit Master title style</a:t>
             </a:r>
-            <a:endParaRPr lang="en-US" dirty="0"/>
           </a:p>
         </p:txBody>
       </p:sp>
@@ -1791,6 +1302,62 @@
           <a:p>
             <a:pPr lvl="0"/>
             <a:r>
+              <a:rPr lang="en-US" dirty="0"/>
+              <a:t>Click to edit Master text styles</a:t>
+            </a:r>
+          </a:p>
+          <a:p>
+            <a:pPr lvl="1"/>
+            <a:r>
+              <a:rPr lang="en-US" dirty="0"/>
+              <a:t>Second level</a:t>
+            </a:r>
+          </a:p>
+          <a:p>
+            <a:pPr lvl="2"/>
+            <a:r>
+              <a:rPr lang="en-US" dirty="0"/>
+              <a:t>Third level</a:t>
+            </a:r>
+          </a:p>
+          <a:p>
+            <a:pPr lvl="3"/>
+            <a:r>
+              <a:rPr lang="en-US" dirty="0"/>
+              <a:t>Fourth level</a:t>
+            </a:r>
+          </a:p>
+          <a:p>
+            <a:pPr lvl="4"/>
+            <a:r>
+              <a:rPr lang="en-US" dirty="0"/>
+              <a:t>Fifth level</a:t>
+            </a:r>
+          </a:p>
+        </p:txBody>
+      </p:sp>
+      <p:sp>
+        <p:nvSpPr>
+          <p:cNvPr id="4" name="Content Placeholder 3"/>
+          <p:cNvSpPr>
+            <a:spLocks noGrp="1"/>
+          </p:cNvSpPr>
+          <p:nvPr>
+            <p:ph sz="half" idx="2"/>
+          </p:nvPr>
+        </p:nvSpPr>
+        <p:spPr>
+          <a:xfrm>
+            <a:off x="5202936" y="1371600"/>
+            <a:ext cx="4489704" cy="5266944"/>
+          </a:xfrm>
+        </p:spPr>
+        <p:txBody>
+          <a:bodyPr/>
+          <a:lstStyle/>
+          <a:p>
+            <a:pPr lvl="0"/>
+            <a:r>
               <a:rPr lang="en-US"/>
               <a:t>Click to edit Master text styles</a:t>
             </a:r>
@@ -1823,105 +1390,6 @@
               <a:t>Fifth level</a:t>
             </a:r>
             <a:endParaRPr lang="en-US" dirty="0"/>
-          </a:p>
-        </p:txBody>
-      </p:sp>
-      <p:sp>
-        <p:nvSpPr>
-          <p:cNvPr id="4" name="Content Placeholder 3"/>
-          <p:cNvSpPr>
-            <a:spLocks noGrp="1"/>
-          </p:cNvSpPr>
-          <p:nvPr>
-            <p:ph sz="half" idx="2"/>
-          </p:nvPr>
-        </p:nvSpPr>
-        <p:spPr>
-          <a:xfrm>
-            <a:off x="5202936" y="1371600"/>
-            <a:ext cx="4489704" cy="5266944"/>
-          </a:xfrm>
-        </p:spPr>
-        <p:txBody>
-          <a:bodyPr/>
-          <a:lstStyle/>
-          <a:p>
-            <a:pPr lvl="0"/>
-            <a:r>
-              <a:rPr lang="en-US"/>
-              <a:t>Click to edit Master text styles</a:t>
-            </a:r>
-          </a:p>
-          <a:p>
-            <a:pPr lvl="1"/>
-            <a:r>
-              <a:rPr lang="en-US"/>
-              <a:t>Second level</a:t>
-            </a:r>
-          </a:p>
-          <a:p>
-            <a:pPr lvl="2"/>
-            <a:r>
-              <a:rPr lang="en-US"/>
-              <a:t>Third level</a:t>
-            </a:r>
-          </a:p>
-          <a:p>
-            <a:pPr lvl="3"/>
-            <a:r>
-              <a:rPr lang="en-US"/>
-              <a:t>Fourth level</a:t>
-            </a:r>
-          </a:p>
-          <a:p>
-            <a:pPr lvl="4"/>
-            <a:r>
-              <a:rPr lang="en-US"/>
-              <a:t>Fifth level</a:t>
-            </a:r>
-            <a:endParaRPr lang="en-US" dirty="0"/>
-          </a:p>
-        </p:txBody>
-      </p:sp>
-      <p:sp>
-        <p:nvSpPr>
-          <p:cNvPr id="5" name="Date Placeholder 4"/>
-          <p:cNvSpPr>
-            <a:spLocks noGrp="1"/>
-          </p:cNvSpPr>
-          <p:nvPr>
-            <p:ph type="dt" sz="half" idx="10"/>
-          </p:nvPr>
-        </p:nvSpPr>
-        <p:spPr/>
-        <p:txBody>
-          <a:bodyPr/>
-          <a:lstStyle/>
-          <a:p>
-            <a:fld id="{B35CD269-42B5-4067-A42B-F772DEB587E1}" type="datetimeFigureOut">
-              <a:rPr lang="en-US" smtClean="0"/>
-              <a:t>6/28/23</a:t>
-            </a:fld>
-            <a:endParaRPr lang="en-US"/>
-          </a:p>
-        </p:txBody>
-      </p:sp>
-      <p:sp>
-        <p:nvSpPr>
-          <p:cNvPr id="6" name="Footer Placeholder 5"/>
-          <p:cNvSpPr>
-            <a:spLocks noGrp="1"/>
-          </p:cNvSpPr>
-          <p:nvPr>
-            <p:ph type="ftr" sz="quarter" idx="11"/>
-          </p:nvPr>
-        </p:nvSpPr>
-        <p:spPr/>
-        <p:txBody>
-          <a:bodyPr/>
-          <a:lstStyle/>
-          <a:p>
-            <a:endParaRPr lang="en-US"/>
           </a:p>
         </p:txBody>
       </p:sp>
@@ -2025,6 +1493,51 @@
           </a:prstGeom>
         </p:spPr>
       </p:pic>
+      <p:sp>
+        <p:nvSpPr>
+          <p:cNvPr id="12" name="Footer Placeholder 4">
+            <a:extLst>
+              <a:ext uri="{FF2B5EF4-FFF2-40B4-BE49-F238E27FC236}">
+                <a16:creationId xmlns:a16="http://schemas.microsoft.com/office/drawing/2014/main" id="{2B2572AF-A5F8-D0DB-F128-A6145322A39A}"/>
+              </a:ext>
+            </a:extLst>
+          </p:cNvPr>
+          <p:cNvSpPr>
+            <a:spLocks noGrp="1"/>
+          </p:cNvSpPr>
+          <p:nvPr>
+            <p:ph type="ftr" sz="quarter" idx="3"/>
+          </p:nvPr>
+        </p:nvSpPr>
+        <p:spPr>
+          <a:xfrm>
+            <a:off x="3335000" y="7187184"/>
+            <a:ext cx="3397925" cy="182880"/>
+          </a:xfrm>
+          <a:prstGeom prst="rect">
+            <a:avLst/>
+          </a:prstGeom>
+        </p:spPr>
+        <p:txBody>
+          <a:bodyPr vert="horz" lIns="91440" tIns="45720" rIns="91440" bIns="45720" rtlCol="0" anchor="ctr"/>
+          <a:lstStyle>
+            <a:lvl1pPr algn="ctr">
+              <a:defRPr sz="1000">
+                <a:solidFill>
+                  <a:schemeClr val="tx1">
+                    <a:tint val="75000"/>
+                  </a:schemeClr>
+                </a:solidFill>
+                <a:latin typeface="Calibri" panose="020F0502020204030204" pitchFamily="34" charset="0"/>
+                <a:cs typeface="Calibri" panose="020F0502020204030204" pitchFamily="34" charset="0"/>
+              </a:defRPr>
+            </a:lvl1pPr>
+          </a:lstStyle>
+          <a:p>
+            <a:endParaRPr lang="en-US" dirty="0"/>
+          </a:p>
+        </p:txBody>
+      </p:sp>
     </p:spTree>
     <p:extLst>
       <p:ext uri="{BB962C8B-B14F-4D97-AF65-F5344CB8AC3E}">
@@ -2039,7 +1552,7 @@
 </file>
 
 <file path=ppt/slideLayouts/slideLayout5.xml><?xml version="1.0" encoding="utf-8"?>
-<p:sldLayout xmlns:a="http://schemas.openxmlformats.org/drawingml/2006/main" xmlns:r="http://schemas.openxmlformats.org/officeDocument/2006/relationships" xmlns:p="http://schemas.openxmlformats.org/presentationml/2006/main" type="twoTxTwoObj" preserve="1">
+<p:sldLayout xmlns:a="http://schemas.openxmlformats.org/drawingml/2006/main" xmlns:r="http://schemas.openxmlformats.org/officeDocument/2006/relationships" xmlns:p="http://schemas.openxmlformats.org/presentationml/2006/main" preserve="1" userDrawn="1">
   <p:cSld name="Comparison">
     <p:spTree>
       <p:nvGrpSpPr>
@@ -2067,8 +1580,8 @@
         </p:nvSpPr>
         <p:spPr>
           <a:xfrm>
-            <a:off x="693481" y="401639"/>
-            <a:ext cx="8683585" cy="1458119"/>
+            <a:off x="356616" y="356616"/>
+            <a:ext cx="7543800" cy="356616"/>
           </a:xfrm>
         </p:spPr>
         <p:txBody>
@@ -2076,10 +1589,9 @@
           <a:lstStyle/>
           <a:p>
             <a:r>
-              <a:rPr lang="en-US"/>
+              <a:rPr lang="en-US" dirty="0"/>
               <a:t>Click to edit Master title style</a:t>
             </a:r>
-            <a:endParaRPr lang="en-US" dirty="0"/>
           </a:p>
         </p:txBody>
       </p:sp>
@@ -2095,16 +1607,24 @@
         </p:nvSpPr>
         <p:spPr>
           <a:xfrm>
-            <a:off x="693482" y="1849279"/>
-            <a:ext cx="4259204" cy="906303"/>
-          </a:xfrm>
-        </p:spPr>
-        <p:txBody>
-          <a:bodyPr anchor="b"/>
+            <a:off x="356616" y="1306284"/>
+            <a:ext cx="4489704" cy="1066799"/>
+          </a:xfrm>
+        </p:spPr>
+        <p:txBody>
+          <a:bodyPr anchor="b">
+            <a:normAutofit/>
+          </a:bodyPr>
           <a:lstStyle>
             <a:lvl1pPr marL="0" indent="0">
+              <a:lnSpc>
+                <a:spcPts val="2000"/>
+              </a:lnSpc>
+              <a:spcBef>
+                <a:spcPts val="1100"/>
+              </a:spcBef>
               <a:buNone/>
-              <a:defRPr sz="2640" b="1"/>
+              <a:defRPr sz="1400" b="0"/>
             </a:lvl1pPr>
             <a:lvl2pPr marL="502920" indent="0">
               <a:buNone/>
@@ -2142,7 +1662,7 @@
           <a:p>
             <a:pPr lvl="0"/>
             <a:r>
-              <a:rPr lang="en-US"/>
+              <a:rPr lang="en-US" dirty="0"/>
               <a:t>Click to edit Master text styles</a:t>
             </a:r>
           </a:p>
@@ -2160,8 +1680,8 @@
         </p:nvSpPr>
         <p:spPr>
           <a:xfrm>
-            <a:off x="693482" y="2755582"/>
-            <a:ext cx="4259204" cy="4053047"/>
+            <a:off x="356616" y="2522483"/>
+            <a:ext cx="4489704" cy="4116061"/>
           </a:xfrm>
         </p:spPr>
         <p:txBody>
@@ -2170,38 +1690,37 @@
           <a:p>
             <a:pPr lvl="0"/>
             <a:r>
-              <a:rPr lang="en-US"/>
+              <a:rPr lang="en-US" dirty="0"/>
               <a:t>Click to edit Master text styles</a:t>
             </a:r>
           </a:p>
           <a:p>
             <a:pPr lvl="1"/>
             <a:r>
-              <a:rPr lang="en-US"/>
+              <a:rPr lang="en-US" dirty="0"/>
               <a:t>Second level</a:t>
             </a:r>
           </a:p>
           <a:p>
             <a:pPr lvl="2"/>
             <a:r>
-              <a:rPr lang="en-US"/>
+              <a:rPr lang="en-US" dirty="0"/>
               <a:t>Third level</a:t>
             </a:r>
           </a:p>
           <a:p>
             <a:pPr lvl="3"/>
             <a:r>
-              <a:rPr lang="en-US"/>
+              <a:rPr lang="en-US" dirty="0"/>
               <a:t>Fourth level</a:t>
             </a:r>
           </a:p>
           <a:p>
             <a:pPr lvl="4"/>
             <a:r>
-              <a:rPr lang="en-US"/>
+              <a:rPr lang="en-US" dirty="0"/>
               <a:t>Fifth level</a:t>
             </a:r>
-            <a:endParaRPr lang="en-US" dirty="0"/>
           </a:p>
         </p:txBody>
       </p:sp>
@@ -2217,16 +1736,21 @@
         </p:nvSpPr>
         <p:spPr>
           <a:xfrm>
-            <a:off x="5096888" y="1849279"/>
-            <a:ext cx="4280179" cy="906303"/>
-          </a:xfrm>
-        </p:spPr>
-        <p:txBody>
-          <a:bodyPr anchor="b"/>
+            <a:off x="5202936" y="1306284"/>
+            <a:ext cx="4489704" cy="1066792"/>
+          </a:xfrm>
+        </p:spPr>
+        <p:txBody>
+          <a:bodyPr anchor="b">
+            <a:normAutofit/>
+          </a:bodyPr>
           <a:lstStyle>
             <a:lvl1pPr marL="0" indent="0">
+              <a:lnSpc>
+                <a:spcPts val="2000"/>
+              </a:lnSpc>
               <a:buNone/>
-              <a:defRPr sz="2640" b="1"/>
+              <a:defRPr sz="1400" b="0"/>
             </a:lvl1pPr>
             <a:lvl2pPr marL="502920" indent="0">
               <a:buNone/>
@@ -2264,108 +1788,9 @@
           <a:p>
             <a:pPr lvl="0"/>
             <a:r>
-              <a:rPr lang="en-US"/>
+              <a:rPr lang="en-US" dirty="0"/>
               <a:t>Click to edit Master text styles</a:t>
             </a:r>
-          </a:p>
-        </p:txBody>
-      </p:sp>
-      <p:sp>
-        <p:nvSpPr>
-          <p:cNvPr id="6" name="Content Placeholder 5"/>
-          <p:cNvSpPr>
-            <a:spLocks noGrp="1"/>
-          </p:cNvSpPr>
-          <p:nvPr>
-            <p:ph sz="quarter" idx="4"/>
-          </p:nvPr>
-        </p:nvSpPr>
-        <p:spPr>
-          <a:xfrm>
-            <a:off x="5096888" y="2755582"/>
-            <a:ext cx="4280179" cy="4053047"/>
-          </a:xfrm>
-        </p:spPr>
-        <p:txBody>
-          <a:bodyPr/>
-          <a:lstStyle/>
-          <a:p>
-            <a:pPr lvl="0"/>
-            <a:r>
-              <a:rPr lang="en-US"/>
-              <a:t>Click to edit Master text styles</a:t>
-            </a:r>
-          </a:p>
-          <a:p>
-            <a:pPr lvl="1"/>
-            <a:r>
-              <a:rPr lang="en-US"/>
-              <a:t>Second level</a:t>
-            </a:r>
-          </a:p>
-          <a:p>
-            <a:pPr lvl="2"/>
-            <a:r>
-              <a:rPr lang="en-US"/>
-              <a:t>Third level</a:t>
-            </a:r>
-          </a:p>
-          <a:p>
-            <a:pPr lvl="3"/>
-            <a:r>
-              <a:rPr lang="en-US"/>
-              <a:t>Fourth level</a:t>
-            </a:r>
-          </a:p>
-          <a:p>
-            <a:pPr lvl="4"/>
-            <a:r>
-              <a:rPr lang="en-US"/>
-              <a:t>Fifth level</a:t>
-            </a:r>
-            <a:endParaRPr lang="en-US" dirty="0"/>
-          </a:p>
-        </p:txBody>
-      </p:sp>
-      <p:sp>
-        <p:nvSpPr>
-          <p:cNvPr id="7" name="Date Placeholder 6"/>
-          <p:cNvSpPr>
-            <a:spLocks noGrp="1"/>
-          </p:cNvSpPr>
-          <p:nvPr>
-            <p:ph type="dt" sz="half" idx="10"/>
-          </p:nvPr>
-        </p:nvSpPr>
-        <p:spPr/>
-        <p:txBody>
-          <a:bodyPr/>
-          <a:lstStyle/>
-          <a:p>
-            <a:fld id="{B35CD269-42B5-4067-A42B-F772DEB587E1}" type="datetimeFigureOut">
-              <a:rPr lang="en-US" smtClean="0"/>
-              <a:t>6/28/23</a:t>
-            </a:fld>
-            <a:endParaRPr lang="en-US"/>
-          </a:p>
-        </p:txBody>
-      </p:sp>
-      <p:sp>
-        <p:nvSpPr>
-          <p:cNvPr id="8" name="Footer Placeholder 7"/>
-          <p:cNvSpPr>
-            <a:spLocks noGrp="1"/>
-          </p:cNvSpPr>
-          <p:nvPr>
-            <p:ph type="ftr" sz="quarter" idx="11"/>
-          </p:nvPr>
-        </p:nvSpPr>
-        <p:spPr/>
-        <p:txBody>
-          <a:bodyPr/>
-          <a:lstStyle/>
-          <a:p>
-            <a:endParaRPr lang="en-US"/>
           </a:p>
         </p:txBody>
       </p:sp>
@@ -2392,130 +1817,12 @@
           </a:p>
         </p:txBody>
       </p:sp>
-    </p:spTree>
-    <p:extLst>
-      <p:ext uri="{BB962C8B-B14F-4D97-AF65-F5344CB8AC3E}">
-        <p14:creationId xmlns:p14="http://schemas.microsoft.com/office/powerpoint/2010/main" val="2952082002"/>
-      </p:ext>
-    </p:extLst>
-  </p:cSld>
-  <p:clrMapOvr>
-    <a:masterClrMapping/>
-  </p:clrMapOvr>
-</p:sldLayout>
-</file>
-
-<file path=ppt/slideLayouts/slideLayout6.xml><?xml version="1.0" encoding="utf-8"?>
-<p:sldLayout xmlns:a="http://schemas.openxmlformats.org/drawingml/2006/main" xmlns:r="http://schemas.openxmlformats.org/officeDocument/2006/relationships" xmlns:p="http://schemas.openxmlformats.org/presentationml/2006/main" type="titleOnly" preserve="1">
-  <p:cSld name="Title Only">
-    <p:spTree>
-      <p:nvGrpSpPr>
-        <p:cNvPr id="1" name=""/>
-        <p:cNvGrpSpPr/>
-        <p:nvPr/>
-      </p:nvGrpSpPr>
-      <p:grpSpPr>
-        <a:xfrm>
-          <a:off x="0" y="0"/>
-          <a:ext cx="0" cy="0"/>
-          <a:chOff x="0" y="0"/>
-          <a:chExt cx="0" cy="0"/>
-        </a:xfrm>
-      </p:grpSpPr>
-      <p:sp>
-        <p:nvSpPr>
-          <p:cNvPr id="2" name="Title 1"/>
-          <p:cNvSpPr>
-            <a:spLocks noGrp="1"/>
-          </p:cNvSpPr>
-          <p:nvPr>
-            <p:ph type="title"/>
-          </p:nvPr>
-        </p:nvSpPr>
-        <p:spPr/>
-        <p:txBody>
-          <a:bodyPr/>
-          <a:lstStyle/>
-          <a:p>
-            <a:r>
-              <a:rPr lang="en-US"/>
-              <a:t>Click to edit Master title style</a:t>
-            </a:r>
-            <a:endParaRPr lang="en-US" dirty="0"/>
-          </a:p>
-        </p:txBody>
-      </p:sp>
-      <p:sp>
-        <p:nvSpPr>
-          <p:cNvPr id="3" name="Date Placeholder 2"/>
-          <p:cNvSpPr>
-            <a:spLocks noGrp="1"/>
-          </p:cNvSpPr>
-          <p:nvPr>
-            <p:ph type="dt" sz="half" idx="10"/>
-          </p:nvPr>
-        </p:nvSpPr>
-        <p:spPr/>
-        <p:txBody>
-          <a:bodyPr/>
-          <a:lstStyle/>
-          <a:p>
-            <a:fld id="{B35CD269-42B5-4067-A42B-F772DEB587E1}" type="datetimeFigureOut">
-              <a:rPr lang="en-US" smtClean="0"/>
-              <a:t>6/28/23</a:t>
-            </a:fld>
-            <a:endParaRPr lang="en-US"/>
-          </a:p>
-        </p:txBody>
-      </p:sp>
-      <p:sp>
-        <p:nvSpPr>
-          <p:cNvPr id="4" name="Footer Placeholder 3"/>
-          <p:cNvSpPr>
-            <a:spLocks noGrp="1"/>
-          </p:cNvSpPr>
-          <p:nvPr>
-            <p:ph type="ftr" sz="quarter" idx="11"/>
-          </p:nvPr>
-        </p:nvSpPr>
-        <p:spPr/>
-        <p:txBody>
-          <a:bodyPr/>
-          <a:lstStyle/>
-          <a:p>
-            <a:endParaRPr lang="en-US"/>
-          </a:p>
-        </p:txBody>
-      </p:sp>
-      <p:sp>
-        <p:nvSpPr>
-          <p:cNvPr id="5" name="Slide Number Placeholder 4"/>
-          <p:cNvSpPr>
-            <a:spLocks noGrp="1"/>
-          </p:cNvSpPr>
-          <p:nvPr>
-            <p:ph type="sldNum" sz="quarter" idx="12"/>
-          </p:nvPr>
-        </p:nvSpPr>
-        <p:spPr/>
-        <p:txBody>
-          <a:bodyPr/>
-          <a:lstStyle/>
-          <a:p>
-            <a:fld id="{141F55E9-9A83-45A8-A91F-A02EDC2352D1}" type="slidenum">
-              <a:rPr lang="en-US" smtClean="0"/>
-              <a:t>‹#›</a:t>
-            </a:fld>
-            <a:endParaRPr lang="en-US"/>
-          </a:p>
-        </p:txBody>
-      </p:sp>
       <p:cxnSp>
         <p:nvCxnSpPr>
-          <p:cNvPr id="6" name="Straight Connector 5">
+          <p:cNvPr id="10" name="Straight Connector 9">
             <a:extLst>
               <a:ext uri="{FF2B5EF4-FFF2-40B4-BE49-F238E27FC236}">
-                <a16:creationId xmlns:a16="http://schemas.microsoft.com/office/drawing/2014/main" id="{36D2FDC6-9AC8-F557-E49F-6A63B702D0F3}"/>
+                <a16:creationId xmlns:a16="http://schemas.microsoft.com/office/drawing/2014/main" id="{9D806ED8-BB76-CB9B-F68F-43ED3EFEB36D}"/>
               </a:ext>
             </a:extLst>
           </p:cNvPr>
@@ -2553,10 +1860,10 @@
       </p:cxnSp>
       <p:pic>
         <p:nvPicPr>
-          <p:cNvPr id="7" name="Picture 6">
+          <p:cNvPr id="11" name="Picture 10">
             <a:extLst>
               <a:ext uri="{FF2B5EF4-FFF2-40B4-BE49-F238E27FC236}">
-                <a16:creationId xmlns:a16="http://schemas.microsoft.com/office/drawing/2014/main" id="{407AB9FE-E4E1-B647-882E-FBADF0C18C3A}"/>
+                <a16:creationId xmlns:a16="http://schemas.microsoft.com/office/drawing/2014/main" id="{F4CB4852-F4C3-0CEE-3648-83017F955D48}"/>
               </a:ext>
             </a:extLst>
           </p:cNvPr>
@@ -2587,10 +1894,117 @@
           </a:prstGeom>
         </p:spPr>
       </p:pic>
+      <p:sp>
+        <p:nvSpPr>
+          <p:cNvPr id="14" name="Content Placeholder 5">
+            <a:extLst>
+              <a:ext uri="{FF2B5EF4-FFF2-40B4-BE49-F238E27FC236}">
+                <a16:creationId xmlns:a16="http://schemas.microsoft.com/office/drawing/2014/main" id="{24BAD94E-3A05-6D72-12C9-DEB71B47B06E}"/>
+              </a:ext>
+            </a:extLst>
+          </p:cNvPr>
+          <p:cNvSpPr>
+            <a:spLocks noGrp="1"/>
+          </p:cNvSpPr>
+          <p:nvPr>
+            <p:ph sz="quarter" idx="14"/>
+          </p:nvPr>
+        </p:nvSpPr>
+        <p:spPr>
+          <a:xfrm>
+            <a:off x="5202936" y="2522479"/>
+            <a:ext cx="4489704" cy="4116061"/>
+          </a:xfrm>
+        </p:spPr>
+        <p:txBody>
+          <a:bodyPr/>
+          <a:lstStyle/>
+          <a:p>
+            <a:pPr lvl="0"/>
+            <a:r>
+              <a:rPr lang="en-US" dirty="0"/>
+              <a:t>Click to edit Master text styles</a:t>
+            </a:r>
+          </a:p>
+          <a:p>
+            <a:pPr lvl="1"/>
+            <a:r>
+              <a:rPr lang="en-US" dirty="0"/>
+              <a:t>Second level</a:t>
+            </a:r>
+          </a:p>
+          <a:p>
+            <a:pPr lvl="2"/>
+            <a:r>
+              <a:rPr lang="en-US" dirty="0"/>
+              <a:t>Third level</a:t>
+            </a:r>
+          </a:p>
+          <a:p>
+            <a:pPr lvl="3"/>
+            <a:r>
+              <a:rPr lang="en-US" dirty="0"/>
+              <a:t>Fourth level</a:t>
+            </a:r>
+          </a:p>
+          <a:p>
+            <a:pPr lvl="4"/>
+            <a:r>
+              <a:rPr lang="en-US" dirty="0"/>
+              <a:t>Fifth level</a:t>
+            </a:r>
+          </a:p>
+        </p:txBody>
+      </p:sp>
+      <p:sp>
+        <p:nvSpPr>
+          <p:cNvPr id="6" name="Footer Placeholder 4">
+            <a:extLst>
+              <a:ext uri="{FF2B5EF4-FFF2-40B4-BE49-F238E27FC236}">
+                <a16:creationId xmlns:a16="http://schemas.microsoft.com/office/drawing/2014/main" id="{BF45BA92-637D-92E8-F417-984901E74B18}"/>
+              </a:ext>
+            </a:extLst>
+          </p:cNvPr>
+          <p:cNvSpPr>
+            <a:spLocks noGrp="1"/>
+          </p:cNvSpPr>
+          <p:nvPr>
+            <p:ph type="ftr" sz="quarter" idx="15"/>
+          </p:nvPr>
+        </p:nvSpPr>
+        <p:spPr>
+          <a:xfrm>
+            <a:off x="3335000" y="7187184"/>
+            <a:ext cx="3397925" cy="182880"/>
+          </a:xfrm>
+          <a:prstGeom prst="rect">
+            <a:avLst/>
+          </a:prstGeom>
+        </p:spPr>
+        <p:txBody>
+          <a:bodyPr vert="horz" lIns="91440" tIns="45720" rIns="91440" bIns="45720" rtlCol="0" anchor="ctr"/>
+          <a:lstStyle>
+            <a:lvl1pPr algn="ctr">
+              <a:defRPr sz="1000">
+                <a:solidFill>
+                  <a:schemeClr val="tx1">
+                    <a:tint val="75000"/>
+                  </a:schemeClr>
+                </a:solidFill>
+                <a:latin typeface="Calibri" panose="020F0502020204030204" pitchFamily="34" charset="0"/>
+                <a:cs typeface="Calibri" panose="020F0502020204030204" pitchFamily="34" charset="0"/>
+              </a:defRPr>
+            </a:lvl1pPr>
+          </a:lstStyle>
+          <a:p>
+            <a:endParaRPr lang="en-US" dirty="0"/>
+          </a:p>
+        </p:txBody>
+      </p:sp>
     </p:spTree>
     <p:extLst>
       <p:ext uri="{BB962C8B-B14F-4D97-AF65-F5344CB8AC3E}">
-        <p14:creationId xmlns:p14="http://schemas.microsoft.com/office/powerpoint/2010/main" val="3064609479"/>
+        <p14:creationId xmlns:p14="http://schemas.microsoft.com/office/powerpoint/2010/main" val="2910756242"/>
       </p:ext>
     </p:extLst>
   </p:cSld>
@@ -2600,7 +2014,7 @@
 </p:sldLayout>
 </file>
 
-<file path=ppt/slideLayouts/slideLayout7.xml><?xml version="1.0" encoding="utf-8"?>
+<file path=ppt/slideLayouts/slideLayout6.xml><?xml version="1.0" encoding="utf-8"?>
 <p:sldLayout xmlns:a="http://schemas.openxmlformats.org/drawingml/2006/main" xmlns:r="http://schemas.openxmlformats.org/officeDocument/2006/relationships" xmlns:p="http://schemas.openxmlformats.org/presentationml/2006/main" type="blank" preserve="1">
   <p:cSld name="Blank">
     <p:spTree>
@@ -2619,12 +2033,12 @@
       </p:grpSpPr>
       <p:sp>
         <p:nvSpPr>
-          <p:cNvPr id="2" name="Date Placeholder 1"/>
-          <p:cNvSpPr>
-            <a:spLocks noGrp="1"/>
-          </p:cNvSpPr>
-          <p:nvPr>
-            <p:ph type="dt" sz="half" idx="10"/>
+          <p:cNvPr id="4" name="Slide Number Placeholder 3"/>
+          <p:cNvSpPr>
+            <a:spLocks noGrp="1"/>
+          </p:cNvSpPr>
+          <p:nvPr>
+            <p:ph type="sldNum" sz="quarter" idx="12"/>
           </p:nvPr>
         </p:nvSpPr>
         <p:spPr/>
@@ -2632,65 +2046,56 @@
           <a:bodyPr/>
           <a:lstStyle/>
           <a:p>
-            <a:fld id="{C764DE79-268F-4C1A-8933-263129D2AF90}" type="datetimeFigureOut">
-              <a:rPr lang="en-US" smtClean="0"/>
-              <a:t>6/28/23</a:t>
-            </a:fld>
-            <a:endParaRPr lang="en-US" dirty="0"/>
-          </a:p>
-        </p:txBody>
-      </p:sp>
-      <p:sp>
-        <p:nvSpPr>
-          <p:cNvPr id="3" name="Footer Placeholder 2"/>
-          <p:cNvSpPr>
-            <a:spLocks noGrp="1"/>
-          </p:cNvSpPr>
-          <p:nvPr>
-            <p:ph type="ftr" sz="quarter" idx="11"/>
-          </p:nvPr>
-        </p:nvSpPr>
-        <p:spPr/>
-        <p:txBody>
-          <a:bodyPr/>
-          <a:lstStyle/>
-          <a:p>
-            <a:endParaRPr lang="en-US" dirty="0"/>
-          </a:p>
-        </p:txBody>
-      </p:sp>
-      <p:sp>
-        <p:nvSpPr>
-          <p:cNvPr id="4" name="Slide Number Placeholder 3"/>
-          <p:cNvSpPr>
-            <a:spLocks noGrp="1"/>
-          </p:cNvSpPr>
-          <p:nvPr>
-            <p:ph type="sldNum" sz="quarter" idx="12"/>
-          </p:nvPr>
-        </p:nvSpPr>
-        <p:spPr/>
-        <p:txBody>
-          <a:bodyPr/>
-          <a:lstStyle/>
-          <a:p>
-            <a:r>
-              <a:rPr lang="en-US"/>
-              <a:t> </a:t>
-            </a:r>
-            <a:r>
-              <a:rPr lang="en-US" b="1" i="1"/>
-              <a:t>Page</a:t>
-            </a:r>
-            <a:r>
-              <a:rPr lang="en-US"/>
-              <a:t> </a:t>
-            </a:r>
             <a:fld id="{141F55E9-9A83-45A8-A91F-A02EDC2352D1}" type="slidenum">
               <a:rPr lang="en-US" smtClean="0"/>
               <a:pPr/>
               <a:t>‹#›</a:t>
             </a:fld>
+            <a:endParaRPr lang="en-US" dirty="0"/>
+          </a:p>
+        </p:txBody>
+      </p:sp>
+      <p:sp>
+        <p:nvSpPr>
+          <p:cNvPr id="5" name="Footer Placeholder 4">
+            <a:extLst>
+              <a:ext uri="{FF2B5EF4-FFF2-40B4-BE49-F238E27FC236}">
+                <a16:creationId xmlns:a16="http://schemas.microsoft.com/office/drawing/2014/main" id="{2CC6190F-B900-BE17-4267-9F84964B45ED}"/>
+              </a:ext>
+            </a:extLst>
+          </p:cNvPr>
+          <p:cNvSpPr>
+            <a:spLocks noGrp="1"/>
+          </p:cNvSpPr>
+          <p:nvPr>
+            <p:ph type="ftr" sz="quarter" idx="3"/>
+          </p:nvPr>
+        </p:nvSpPr>
+        <p:spPr>
+          <a:xfrm>
+            <a:off x="3335000" y="7187184"/>
+            <a:ext cx="3397925" cy="182880"/>
+          </a:xfrm>
+          <a:prstGeom prst="rect">
+            <a:avLst/>
+          </a:prstGeom>
+        </p:spPr>
+        <p:txBody>
+          <a:bodyPr vert="horz" lIns="91440" tIns="45720" rIns="91440" bIns="45720" rtlCol="0" anchor="ctr"/>
+          <a:lstStyle>
+            <a:lvl1pPr algn="ctr">
+              <a:defRPr sz="1000">
+                <a:solidFill>
+                  <a:schemeClr val="tx1">
+                    <a:tint val="75000"/>
+                  </a:schemeClr>
+                </a:solidFill>
+                <a:latin typeface="Calibri" panose="020F0502020204030204" pitchFamily="34" charset="0"/>
+                <a:cs typeface="Calibri" panose="020F0502020204030204" pitchFamily="34" charset="0"/>
+              </a:defRPr>
+            </a:lvl1pPr>
+          </a:lstStyle>
+          <a:p>
             <a:endParaRPr lang="en-US" dirty="0"/>
           </a:p>
         </p:txBody>
@@ -2708,8 +2113,8 @@
 </p:sldLayout>
 </file>
 
-<file path=ppt/slideLayouts/slideLayout8.xml><?xml version="1.0" encoding="utf-8"?>
-<p:sldLayout xmlns:a="http://schemas.openxmlformats.org/drawingml/2006/main" xmlns:r="http://schemas.openxmlformats.org/officeDocument/2006/relationships" xmlns:p="http://schemas.openxmlformats.org/presentationml/2006/main" type="objTx" preserve="1">
+<file path=ppt/slideLayouts/slideLayout7.xml><?xml version="1.0" encoding="utf-8"?>
+<p:sldLayout xmlns:a="http://schemas.openxmlformats.org/drawingml/2006/main" xmlns:r="http://schemas.openxmlformats.org/officeDocument/2006/relationships" xmlns:p="http://schemas.openxmlformats.org/presentationml/2006/main" preserve="1" userDrawn="1">
   <p:cSld name="Content with Caption">
     <p:spTree>
       <p:nvGrpSpPr>
@@ -2727,69 +2132,39 @@
       </p:grpSpPr>
       <p:sp>
         <p:nvSpPr>
-          <p:cNvPr id="2" name="Title 1"/>
-          <p:cNvSpPr>
-            <a:spLocks noGrp="1"/>
-          </p:cNvSpPr>
-          <p:nvPr>
-            <p:ph type="title"/>
-          </p:nvPr>
-        </p:nvSpPr>
-        <p:spPr>
-          <a:xfrm>
-            <a:off x="693481" y="502920"/>
-            <a:ext cx="3247168" cy="1760220"/>
-          </a:xfrm>
-        </p:spPr>
-        <p:txBody>
-          <a:bodyPr anchor="b"/>
+          <p:cNvPr id="3" name="Content Placeholder 2"/>
+          <p:cNvSpPr>
+            <a:spLocks noGrp="1"/>
+          </p:cNvSpPr>
+          <p:nvPr>
+            <p:ph idx="1"/>
+          </p:nvPr>
+        </p:nvSpPr>
+        <p:spPr>
+          <a:xfrm>
+            <a:off x="3960400" y="1371600"/>
+            <a:ext cx="5416666" cy="5266944"/>
+          </a:xfrm>
+        </p:spPr>
+        <p:txBody>
+          <a:bodyPr>
+            <a:normAutofit/>
+          </a:bodyPr>
           <a:lstStyle>
             <a:lvl1pPr>
-              <a:defRPr sz="3520"/>
-            </a:lvl1pPr>
-          </a:lstStyle>
-          <a:p>
-            <a:r>
-              <a:rPr lang="en-US"/>
-              <a:t>Click to edit Master title style</a:t>
-            </a:r>
-            <a:endParaRPr lang="en-US" dirty="0"/>
-          </a:p>
-        </p:txBody>
-      </p:sp>
-      <p:sp>
-        <p:nvSpPr>
-          <p:cNvPr id="3" name="Content Placeholder 2"/>
-          <p:cNvSpPr>
-            <a:spLocks noGrp="1"/>
-          </p:cNvSpPr>
-          <p:nvPr>
-            <p:ph idx="1"/>
-          </p:nvPr>
-        </p:nvSpPr>
-        <p:spPr>
-          <a:xfrm>
-            <a:off x="4280179" y="1086169"/>
-            <a:ext cx="5096887" cy="5360988"/>
-          </a:xfrm>
-        </p:spPr>
-        <p:txBody>
-          <a:bodyPr/>
-          <a:lstStyle>
-            <a:lvl1pPr>
-              <a:defRPr sz="3520"/>
+              <a:defRPr sz="1400"/>
             </a:lvl1pPr>
             <a:lvl2pPr>
-              <a:defRPr sz="3080"/>
+              <a:defRPr sz="1400"/>
             </a:lvl2pPr>
             <a:lvl3pPr>
-              <a:defRPr sz="2640"/>
+              <a:defRPr sz="1400"/>
             </a:lvl3pPr>
             <a:lvl4pPr>
-              <a:defRPr sz="2200"/>
+              <a:defRPr sz="1400"/>
             </a:lvl4pPr>
             <a:lvl5pPr>
-              <a:defRPr sz="2200"/>
+              <a:defRPr sz="1400"/>
             </a:lvl5pPr>
             <a:lvl6pPr>
               <a:defRPr sz="2200"/>
@@ -2807,38 +2182,37 @@
           <a:p>
             <a:pPr lvl="0"/>
             <a:r>
-              <a:rPr lang="en-US"/>
+              <a:rPr lang="en-US" dirty="0"/>
               <a:t>Click to edit Master text styles</a:t>
             </a:r>
           </a:p>
           <a:p>
             <a:pPr lvl="1"/>
             <a:r>
-              <a:rPr lang="en-US"/>
+              <a:rPr lang="en-US" dirty="0"/>
               <a:t>Second level</a:t>
             </a:r>
           </a:p>
           <a:p>
             <a:pPr lvl="2"/>
             <a:r>
-              <a:rPr lang="en-US"/>
+              <a:rPr lang="en-US" dirty="0"/>
               <a:t>Third level</a:t>
             </a:r>
           </a:p>
           <a:p>
             <a:pPr lvl="3"/>
             <a:r>
-              <a:rPr lang="en-US"/>
+              <a:rPr lang="en-US" dirty="0"/>
               <a:t>Fourth level</a:t>
             </a:r>
           </a:p>
           <a:p>
             <a:pPr lvl="4"/>
             <a:r>
-              <a:rPr lang="en-US"/>
+              <a:rPr lang="en-US" dirty="0"/>
               <a:t>Fifth level</a:t>
             </a:r>
-            <a:endParaRPr lang="en-US" dirty="0"/>
           </a:p>
         </p:txBody>
       </p:sp>
@@ -2854,8 +2228,8 @@
         </p:nvSpPr>
         <p:spPr>
           <a:xfrm>
-            <a:off x="693481" y="2263140"/>
-            <a:ext cx="3247168" cy="4192747"/>
+            <a:off x="356616" y="1371600"/>
+            <a:ext cx="3247168" cy="5266944"/>
           </a:xfrm>
         </p:spPr>
         <p:txBody>
@@ -2911,48 +2285,6 @@
       </p:sp>
       <p:sp>
         <p:nvSpPr>
-          <p:cNvPr id="5" name="Date Placeholder 4"/>
-          <p:cNvSpPr>
-            <a:spLocks noGrp="1"/>
-          </p:cNvSpPr>
-          <p:nvPr>
-            <p:ph type="dt" sz="half" idx="10"/>
-          </p:nvPr>
-        </p:nvSpPr>
-        <p:spPr/>
-        <p:txBody>
-          <a:bodyPr/>
-          <a:lstStyle/>
-          <a:p>
-            <a:fld id="{B35CD269-42B5-4067-A42B-F772DEB587E1}" type="datetimeFigureOut">
-              <a:rPr lang="en-US" smtClean="0"/>
-              <a:t>6/28/23</a:t>
-            </a:fld>
-            <a:endParaRPr lang="en-US"/>
-          </a:p>
-        </p:txBody>
-      </p:sp>
-      <p:sp>
-        <p:nvSpPr>
-          <p:cNvPr id="6" name="Footer Placeholder 5"/>
-          <p:cNvSpPr>
-            <a:spLocks noGrp="1"/>
-          </p:cNvSpPr>
-          <p:nvPr>
-            <p:ph type="ftr" sz="quarter" idx="11"/>
-          </p:nvPr>
-        </p:nvSpPr>
-        <p:spPr/>
-        <p:txBody>
-          <a:bodyPr/>
-          <a:lstStyle/>
-          <a:p>
-            <a:endParaRPr lang="en-US"/>
-          </a:p>
-        </p:txBody>
-      </p:sp>
-      <p:sp>
-        <p:nvSpPr>
           <p:cNvPr id="7" name="Slide Number Placeholder 6"/>
           <p:cNvSpPr>
             <a:spLocks noGrp="1"/>
@@ -2974,269 +2306,165 @@
           </a:p>
         </p:txBody>
       </p:sp>
+      <p:sp>
+        <p:nvSpPr>
+          <p:cNvPr id="8" name="Title 1">
+            <a:extLst>
+              <a:ext uri="{FF2B5EF4-FFF2-40B4-BE49-F238E27FC236}">
+                <a16:creationId xmlns:a16="http://schemas.microsoft.com/office/drawing/2014/main" id="{FE8BC51B-A3B5-0244-248D-9BF72AE487BD}"/>
+              </a:ext>
+            </a:extLst>
+          </p:cNvPr>
+          <p:cNvSpPr>
+            <a:spLocks noGrp="1"/>
+          </p:cNvSpPr>
+          <p:nvPr>
+            <p:ph type="title"/>
+          </p:nvPr>
+        </p:nvSpPr>
+        <p:spPr>
+          <a:xfrm>
+            <a:off x="356616" y="356616"/>
+            <a:ext cx="7543800" cy="356616"/>
+          </a:xfrm>
+        </p:spPr>
+        <p:txBody>
+          <a:bodyPr/>
+          <a:lstStyle/>
+          <a:p>
+            <a:r>
+              <a:rPr lang="en-US" dirty="0"/>
+              <a:t>Click to edit Master title style</a:t>
+            </a:r>
+          </a:p>
+        </p:txBody>
+      </p:sp>
+      <p:cxnSp>
+        <p:nvCxnSpPr>
+          <p:cNvPr id="9" name="Straight Connector 8">
+            <a:extLst>
+              <a:ext uri="{FF2B5EF4-FFF2-40B4-BE49-F238E27FC236}">
+                <a16:creationId xmlns:a16="http://schemas.microsoft.com/office/drawing/2014/main" id="{74469450-2352-1B4C-B64C-69EDFA4DDCCC}"/>
+              </a:ext>
+            </a:extLst>
+          </p:cNvPr>
+          <p:cNvCxnSpPr/>
+          <p:nvPr userDrawn="1"/>
+        </p:nvCxnSpPr>
+        <p:spPr>
+          <a:xfrm>
+            <a:off x="356616" y="976256"/>
+            <a:ext cx="9345168" cy="0"/>
+          </a:xfrm>
+          <a:prstGeom prst="line">
+            <a:avLst/>
+          </a:prstGeom>
+          <a:ln w="19050">
+            <a:solidFill>
+              <a:schemeClr val="tx1"/>
+            </a:solidFill>
+          </a:ln>
+        </p:spPr>
+        <p:style>
+          <a:lnRef idx="1">
+            <a:schemeClr val="dk1"/>
+          </a:lnRef>
+          <a:fillRef idx="0">
+            <a:schemeClr val="dk1"/>
+          </a:fillRef>
+          <a:effectRef idx="0">
+            <a:schemeClr val="dk1"/>
+          </a:effectRef>
+          <a:fontRef idx="minor">
+            <a:schemeClr val="tx1"/>
+          </a:fontRef>
+        </p:style>
+      </p:cxnSp>
+      <p:pic>
+        <p:nvPicPr>
+          <p:cNvPr id="10" name="Picture 9">
+            <a:extLst>
+              <a:ext uri="{FF2B5EF4-FFF2-40B4-BE49-F238E27FC236}">
+                <a16:creationId xmlns:a16="http://schemas.microsoft.com/office/drawing/2014/main" id="{C003E5C2-831E-7794-7E87-A26F800F0237}"/>
+              </a:ext>
+            </a:extLst>
+          </p:cNvPr>
+          <p:cNvPicPr>
+            <a:picLocks noChangeAspect="1"/>
+          </p:cNvPicPr>
+          <p:nvPr userDrawn="1"/>
+        </p:nvPicPr>
+        <p:blipFill>
+          <a:blip r:embed="rId2">
+            <a:extLst>
+              <a:ext uri="{28A0092B-C50C-407E-A947-70E740481C1C}">
+                <a14:useLocalDpi xmlns:a14="http://schemas.microsoft.com/office/drawing/2010/main" val="0"/>
+              </a:ext>
+            </a:extLst>
+          </a:blip>
+          <a:stretch>
+            <a:fillRect/>
+          </a:stretch>
+        </p:blipFill>
+        <p:spPr>
+          <a:xfrm>
+            <a:off x="8357622" y="346127"/>
+            <a:ext cx="1370585" cy="337252"/>
+          </a:xfrm>
+          <a:prstGeom prst="rect">
+            <a:avLst/>
+          </a:prstGeom>
+        </p:spPr>
+      </p:pic>
+      <p:sp>
+        <p:nvSpPr>
+          <p:cNvPr id="12" name="Footer Placeholder 4">
+            <a:extLst>
+              <a:ext uri="{FF2B5EF4-FFF2-40B4-BE49-F238E27FC236}">
+                <a16:creationId xmlns:a16="http://schemas.microsoft.com/office/drawing/2014/main" id="{C5FFED2E-E650-2E4C-714B-ADF0B470D0E1}"/>
+              </a:ext>
+            </a:extLst>
+          </p:cNvPr>
+          <p:cNvSpPr>
+            <a:spLocks noGrp="1"/>
+          </p:cNvSpPr>
+          <p:nvPr>
+            <p:ph type="ftr" sz="quarter" idx="3"/>
+          </p:nvPr>
+        </p:nvSpPr>
+        <p:spPr>
+          <a:xfrm>
+            <a:off x="3335000" y="7187184"/>
+            <a:ext cx="3397925" cy="182880"/>
+          </a:xfrm>
+          <a:prstGeom prst="rect">
+            <a:avLst/>
+          </a:prstGeom>
+        </p:spPr>
+        <p:txBody>
+          <a:bodyPr vert="horz" lIns="91440" tIns="45720" rIns="91440" bIns="45720" rtlCol="0" anchor="ctr"/>
+          <a:lstStyle>
+            <a:lvl1pPr algn="ctr">
+              <a:defRPr sz="1000">
+                <a:solidFill>
+                  <a:schemeClr val="tx1">
+                    <a:tint val="75000"/>
+                  </a:schemeClr>
+                </a:solidFill>
+                <a:latin typeface="Calibri" panose="020F0502020204030204" pitchFamily="34" charset="0"/>
+                <a:cs typeface="Calibri" panose="020F0502020204030204" pitchFamily="34" charset="0"/>
+              </a:defRPr>
+            </a:lvl1pPr>
+          </a:lstStyle>
+          <a:p>
+            <a:endParaRPr lang="en-US" dirty="0"/>
+          </a:p>
+        </p:txBody>
+      </p:sp>
     </p:spTree>
     <p:extLst>
       <p:ext uri="{BB962C8B-B14F-4D97-AF65-F5344CB8AC3E}">
         <p14:creationId xmlns:p14="http://schemas.microsoft.com/office/powerpoint/2010/main" val="3664168863"/>
-      </p:ext>
-    </p:extLst>
-  </p:cSld>
-  <p:clrMapOvr>
-    <a:masterClrMapping/>
-  </p:clrMapOvr>
-</p:sldLayout>
-</file>
-
-<file path=ppt/slideLayouts/slideLayout9.xml><?xml version="1.0" encoding="utf-8"?>
-<p:sldLayout xmlns:a="http://schemas.openxmlformats.org/drawingml/2006/main" xmlns:r="http://schemas.openxmlformats.org/officeDocument/2006/relationships" xmlns:p="http://schemas.openxmlformats.org/presentationml/2006/main" type="picTx" preserve="1">
-  <p:cSld name="Picture with Caption">
-    <p:spTree>
-      <p:nvGrpSpPr>
-        <p:cNvPr id="1" name=""/>
-        <p:cNvGrpSpPr/>
-        <p:nvPr/>
-      </p:nvGrpSpPr>
-      <p:grpSpPr>
-        <a:xfrm>
-          <a:off x="0" y="0"/>
-          <a:ext cx="0" cy="0"/>
-          <a:chOff x="0" y="0"/>
-          <a:chExt cx="0" cy="0"/>
-        </a:xfrm>
-      </p:grpSpPr>
-      <p:sp>
-        <p:nvSpPr>
-          <p:cNvPr id="2" name="Title 1"/>
-          <p:cNvSpPr>
-            <a:spLocks noGrp="1"/>
-          </p:cNvSpPr>
-          <p:nvPr>
-            <p:ph type="title"/>
-          </p:nvPr>
-        </p:nvSpPr>
-        <p:spPr>
-          <a:xfrm>
-            <a:off x="693481" y="502920"/>
-            <a:ext cx="3247168" cy="1760220"/>
-          </a:xfrm>
-        </p:spPr>
-        <p:txBody>
-          <a:bodyPr anchor="b"/>
-          <a:lstStyle>
-            <a:lvl1pPr>
-              <a:defRPr sz="3520"/>
-            </a:lvl1pPr>
-          </a:lstStyle>
-          <a:p>
-            <a:r>
-              <a:rPr lang="en-US"/>
-              <a:t>Click to edit Master title style</a:t>
-            </a:r>
-            <a:endParaRPr lang="en-US" dirty="0"/>
-          </a:p>
-        </p:txBody>
-      </p:sp>
-      <p:sp>
-        <p:nvSpPr>
-          <p:cNvPr id="3" name="Picture Placeholder 2"/>
-          <p:cNvSpPr>
-            <a:spLocks noGrp="1" noChangeAspect="1"/>
-          </p:cNvSpPr>
-          <p:nvPr>
-            <p:ph type="pic" idx="1"/>
-          </p:nvPr>
-        </p:nvSpPr>
-        <p:spPr>
-          <a:xfrm>
-            <a:off x="4280179" y="1086169"/>
-            <a:ext cx="5096887" cy="5360988"/>
-          </a:xfrm>
-        </p:spPr>
-        <p:txBody>
-          <a:bodyPr anchor="t"/>
-          <a:lstStyle>
-            <a:lvl1pPr marL="0" indent="0">
-              <a:buNone/>
-              <a:defRPr sz="3520"/>
-            </a:lvl1pPr>
-            <a:lvl2pPr marL="502920" indent="0">
-              <a:buNone/>
-              <a:defRPr sz="3080"/>
-            </a:lvl2pPr>
-            <a:lvl3pPr marL="1005840" indent="0">
-              <a:buNone/>
-              <a:defRPr sz="2640"/>
-            </a:lvl3pPr>
-            <a:lvl4pPr marL="1508760" indent="0">
-              <a:buNone/>
-              <a:defRPr sz="2200"/>
-            </a:lvl4pPr>
-            <a:lvl5pPr marL="2011680" indent="0">
-              <a:buNone/>
-              <a:defRPr sz="2200"/>
-            </a:lvl5pPr>
-            <a:lvl6pPr marL="2514600" indent="0">
-              <a:buNone/>
-              <a:defRPr sz="2200"/>
-            </a:lvl6pPr>
-            <a:lvl7pPr marL="3017520" indent="0">
-              <a:buNone/>
-              <a:defRPr sz="2200"/>
-            </a:lvl7pPr>
-            <a:lvl8pPr marL="3520440" indent="0">
-              <a:buNone/>
-              <a:defRPr sz="2200"/>
-            </a:lvl8pPr>
-            <a:lvl9pPr marL="4023360" indent="0">
-              <a:buNone/>
-              <a:defRPr sz="2200"/>
-            </a:lvl9pPr>
-          </a:lstStyle>
-          <a:p>
-            <a:r>
-              <a:rPr lang="en-US"/>
-              <a:t>Click icon to add picture</a:t>
-            </a:r>
-            <a:endParaRPr lang="en-US" dirty="0"/>
-          </a:p>
-        </p:txBody>
-      </p:sp>
-      <p:sp>
-        <p:nvSpPr>
-          <p:cNvPr id="4" name="Text Placeholder 3"/>
-          <p:cNvSpPr>
-            <a:spLocks noGrp="1"/>
-          </p:cNvSpPr>
-          <p:nvPr>
-            <p:ph type="body" sz="half" idx="2"/>
-          </p:nvPr>
-        </p:nvSpPr>
-        <p:spPr>
-          <a:xfrm>
-            <a:off x="693481" y="2263140"/>
-            <a:ext cx="3247168" cy="4192747"/>
-          </a:xfrm>
-        </p:spPr>
-        <p:txBody>
-          <a:bodyPr>
-            <a:normAutofit/>
-          </a:bodyPr>
-          <a:lstStyle>
-            <a:lvl1pPr marL="0" indent="0">
-              <a:buNone/>
-              <a:defRPr sz="1400"/>
-            </a:lvl1pPr>
-            <a:lvl2pPr marL="502920" indent="0">
-              <a:buNone/>
-              <a:defRPr sz="1540"/>
-            </a:lvl2pPr>
-            <a:lvl3pPr marL="1005840" indent="0">
-              <a:buNone/>
-              <a:defRPr sz="1320"/>
-            </a:lvl3pPr>
-            <a:lvl4pPr marL="1508760" indent="0">
-              <a:buNone/>
-              <a:defRPr sz="1100"/>
-            </a:lvl4pPr>
-            <a:lvl5pPr marL="2011680" indent="0">
-              <a:buNone/>
-              <a:defRPr sz="1100"/>
-            </a:lvl5pPr>
-            <a:lvl6pPr marL="2514600" indent="0">
-              <a:buNone/>
-              <a:defRPr sz="1100"/>
-            </a:lvl6pPr>
-            <a:lvl7pPr marL="3017520" indent="0">
-              <a:buNone/>
-              <a:defRPr sz="1100"/>
-            </a:lvl7pPr>
-            <a:lvl8pPr marL="3520440" indent="0">
-              <a:buNone/>
-              <a:defRPr sz="1100"/>
-            </a:lvl8pPr>
-            <a:lvl9pPr marL="4023360" indent="0">
-              <a:buNone/>
-              <a:defRPr sz="1100"/>
-            </a:lvl9pPr>
-          </a:lstStyle>
-          <a:p>
-            <a:pPr lvl="0"/>
-            <a:r>
-              <a:rPr lang="en-US" dirty="0"/>
-              <a:t>Click to edit Master text styles</a:t>
-            </a:r>
-          </a:p>
-        </p:txBody>
-      </p:sp>
-      <p:sp>
-        <p:nvSpPr>
-          <p:cNvPr id="5" name="Date Placeholder 4"/>
-          <p:cNvSpPr>
-            <a:spLocks noGrp="1"/>
-          </p:cNvSpPr>
-          <p:nvPr>
-            <p:ph type="dt" sz="half" idx="10"/>
-          </p:nvPr>
-        </p:nvSpPr>
-        <p:spPr/>
-        <p:txBody>
-          <a:bodyPr/>
-          <a:lstStyle/>
-          <a:p>
-            <a:fld id="{B35CD269-42B5-4067-A42B-F772DEB587E1}" type="datetimeFigureOut">
-              <a:rPr lang="en-US" smtClean="0"/>
-              <a:t>6/28/23</a:t>
-            </a:fld>
-            <a:endParaRPr lang="en-US"/>
-          </a:p>
-        </p:txBody>
-      </p:sp>
-      <p:sp>
-        <p:nvSpPr>
-          <p:cNvPr id="6" name="Footer Placeholder 5"/>
-          <p:cNvSpPr>
-            <a:spLocks noGrp="1"/>
-          </p:cNvSpPr>
-          <p:nvPr>
-            <p:ph type="ftr" sz="quarter" idx="11"/>
-          </p:nvPr>
-        </p:nvSpPr>
-        <p:spPr/>
-        <p:txBody>
-          <a:bodyPr/>
-          <a:lstStyle/>
-          <a:p>
-            <a:endParaRPr lang="en-US"/>
-          </a:p>
-        </p:txBody>
-      </p:sp>
-      <p:sp>
-        <p:nvSpPr>
-          <p:cNvPr id="7" name="Slide Number Placeholder 6"/>
-          <p:cNvSpPr>
-            <a:spLocks noGrp="1"/>
-          </p:cNvSpPr>
-          <p:nvPr>
-            <p:ph type="sldNum" sz="quarter" idx="12"/>
-          </p:nvPr>
-        </p:nvSpPr>
-        <p:spPr/>
-        <p:txBody>
-          <a:bodyPr/>
-          <a:lstStyle/>
-          <a:p>
-            <a:fld id="{141F55E9-9A83-45A8-A91F-A02EDC2352D1}" type="slidenum">
-              <a:rPr lang="en-US" smtClean="0"/>
-              <a:t>‹#›</a:t>
-            </a:fld>
-            <a:endParaRPr lang="en-US"/>
-          </a:p>
-        </p:txBody>
-      </p:sp>
-    </p:spTree>
-    <p:extLst>
-      <p:ext uri="{BB962C8B-B14F-4D97-AF65-F5344CB8AC3E}">
-        <p14:creationId xmlns:p14="http://schemas.microsoft.com/office/powerpoint/2010/main" val="29570544"/>
       </p:ext>
     </p:extLst>
   </p:cSld>
@@ -3373,8 +2601,8 @@
         </p:nvSpPr>
         <p:spPr>
           <a:xfrm>
-            <a:off x="692170" y="6991986"/>
-            <a:ext cx="2265283" cy="401638"/>
+            <a:off x="7436501" y="7187184"/>
+            <a:ext cx="2265283" cy="182880"/>
           </a:xfrm>
           <a:prstGeom prst="rect">
             <a:avLst/>
@@ -3383,22 +2611,24 @@
         <p:txBody>
           <a:bodyPr vert="horz" lIns="91440" tIns="45720" rIns="91440" bIns="45720" rtlCol="0" anchor="ctr"/>
           <a:lstStyle>
-            <a:lvl1pPr algn="l">
-              <a:defRPr sz="1320">
+            <a:lvl1pPr algn="r">
+              <a:defRPr sz="1000">
                 <a:solidFill>
                   <a:schemeClr val="tx1">
                     <a:tint val="75000"/>
                   </a:schemeClr>
                 </a:solidFill>
+                <a:latin typeface="Calibri" panose="020F0502020204030204" pitchFamily="34" charset="0"/>
+                <a:cs typeface="Calibri" panose="020F0502020204030204" pitchFamily="34" charset="0"/>
               </a:defRPr>
             </a:lvl1pPr>
           </a:lstStyle>
           <a:p>
-            <a:fld id="{B35CD269-42B5-4067-A42B-F772DEB587E1}" type="datetimeFigureOut">
+            <a:fld id="{67EBFAA5-59A6-6A47-9A5E-31B9D2AF54C8}" type="datetime4">
               <a:rPr lang="en-US" smtClean="0"/>
-              <a:t>6/28/23</a:t>
+              <a:t>July 5, 2023</a:t>
             </a:fld>
-            <a:endParaRPr lang="en-US"/>
+            <a:endParaRPr lang="en-US" dirty="0"/>
           </a:p>
         </p:txBody>
       </p:sp>
@@ -3414,8 +2644,8 @@
         </p:nvSpPr>
         <p:spPr>
           <a:xfrm>
-            <a:off x="3335000" y="6991986"/>
-            <a:ext cx="3397925" cy="401638"/>
+            <a:off x="3335000" y="7187184"/>
+            <a:ext cx="3397925" cy="182880"/>
           </a:xfrm>
           <a:prstGeom prst="rect">
             <a:avLst/>
@@ -3425,17 +2655,19 @@
           <a:bodyPr vert="horz" lIns="91440" tIns="45720" rIns="91440" bIns="45720" rtlCol="0" anchor="ctr"/>
           <a:lstStyle>
             <a:lvl1pPr algn="ctr">
-              <a:defRPr sz="1320">
+              <a:defRPr sz="1000">
                 <a:solidFill>
                   <a:schemeClr val="tx1">
                     <a:tint val="75000"/>
                   </a:schemeClr>
                 </a:solidFill>
+                <a:latin typeface="Calibri" panose="020F0502020204030204" pitchFamily="34" charset="0"/>
+                <a:cs typeface="Calibri" panose="020F0502020204030204" pitchFamily="34" charset="0"/>
               </a:defRPr>
             </a:lvl1pPr>
           </a:lstStyle>
           <a:p>
-            <a:endParaRPr lang="en-US"/>
+            <a:endParaRPr lang="en-US" dirty="0"/>
           </a:p>
         </p:txBody>
       </p:sp>
@@ -3451,8 +2683,8 @@
         </p:nvSpPr>
         <p:spPr>
           <a:xfrm>
-            <a:off x="7110472" y="6991986"/>
-            <a:ext cx="2265283" cy="401638"/>
+            <a:off x="356616" y="7187184"/>
+            <a:ext cx="2265283" cy="182880"/>
           </a:xfrm>
           <a:prstGeom prst="rect">
             <a:avLst/>
@@ -3461,22 +2693,25 @@
         <p:txBody>
           <a:bodyPr vert="horz" lIns="91440" tIns="45720" rIns="91440" bIns="45720" rtlCol="0" anchor="ctr"/>
           <a:lstStyle>
-            <a:lvl1pPr algn="r">
-              <a:defRPr sz="1320">
+            <a:lvl1pPr algn="l">
+              <a:defRPr sz="1000">
                 <a:solidFill>
                   <a:schemeClr val="tx1">
                     <a:tint val="75000"/>
                   </a:schemeClr>
                 </a:solidFill>
+                <a:latin typeface="Calibri" panose="020F0502020204030204" pitchFamily="34" charset="0"/>
+                <a:cs typeface="Calibri" panose="020F0502020204030204" pitchFamily="34" charset="0"/>
               </a:defRPr>
             </a:lvl1pPr>
           </a:lstStyle>
           <a:p>
             <a:fld id="{141F55E9-9A83-45A8-A91F-A02EDC2352D1}" type="slidenum">
               <a:rPr lang="en-US" smtClean="0"/>
+              <a:pPr/>
               <a:t>‹#›</a:t>
             </a:fld>
-            <a:endParaRPr lang="en-US"/>
+            <a:endParaRPr lang="en-US" dirty="0"/>
           </a:p>
         </p:txBody>
       </p:sp>
@@ -3493,14 +2728,11 @@
     <p:sldLayoutId id="2147483686" r:id="rId2"/>
     <p:sldLayoutId id="2147483687" r:id="rId3"/>
     <p:sldLayoutId id="2147483688" r:id="rId4"/>
-    <p:sldLayoutId id="2147483689" r:id="rId5"/>
-    <p:sldLayoutId id="2147483690" r:id="rId6"/>
-    <p:sldLayoutId id="2147483691" r:id="rId7"/>
-    <p:sldLayoutId id="2147483692" r:id="rId8"/>
-    <p:sldLayoutId id="2147483693" r:id="rId9"/>
-    <p:sldLayoutId id="2147483694" r:id="rId10"/>
-    <p:sldLayoutId id="2147483695" r:id="rId11"/>
+    <p:sldLayoutId id="2147483697" r:id="rId5"/>
+    <p:sldLayoutId id="2147483691" r:id="rId6"/>
+    <p:sldLayoutId id="2147483692" r:id="rId7"/>
   </p:sldLayoutIdLst>
+  <p:hf sldNum="0" hdr="0" ftr="0"/>
   <p:txStyles>
     <p:titleStyle>
       <a:lvl1pPr algn="l" defTabSz="1005840" rtl="0" eaLnBrk="1" latinLnBrk="0" hangingPunct="1">
@@ -3513,7 +2745,10 @@
         <a:buNone/>
         <a:defRPr sz="2800" b="1" kern="1200">
           <a:solidFill>
-            <a:schemeClr val="tx1"/>
+            <a:schemeClr val="tx1">
+              <a:lumMod val="85000"/>
+              <a:lumOff val="15000"/>
+            </a:schemeClr>
           </a:solidFill>
           <a:latin typeface="Calibri" panose="020F0502020204030204" pitchFamily="34" charset="0"/>
           <a:ea typeface="+mj-ea"/>
@@ -3533,7 +2768,10 @@
         <a:buChar char="•"/>
         <a:defRPr sz="1400" kern="1200">
           <a:solidFill>
-            <a:schemeClr val="tx1"/>
+            <a:schemeClr val="tx1">
+              <a:lumMod val="85000"/>
+              <a:lumOff val="15000"/>
+            </a:schemeClr>
           </a:solidFill>
           <a:latin typeface="Calibri" panose="020F0502020204030204" pitchFamily="34" charset="0"/>
           <a:ea typeface="+mn-ea"/>
@@ -3551,7 +2789,10 @@
         <a:buChar char="§"/>
         <a:defRPr sz="1400" kern="1200">
           <a:solidFill>
-            <a:schemeClr val="tx1"/>
+            <a:schemeClr val="tx1">
+              <a:lumMod val="85000"/>
+              <a:lumOff val="15000"/>
+            </a:schemeClr>
           </a:solidFill>
           <a:latin typeface="Calibri" panose="020F0502020204030204" pitchFamily="34" charset="0"/>
           <a:ea typeface="+mn-ea"/>
@@ -3569,7 +2810,10 @@
         <a:buChar char="-"/>
         <a:defRPr sz="1400" kern="1200">
           <a:solidFill>
-            <a:schemeClr val="tx1"/>
+            <a:schemeClr val="tx1">
+              <a:lumMod val="85000"/>
+              <a:lumOff val="15000"/>
+            </a:schemeClr>
           </a:solidFill>
           <a:latin typeface="Calibri" panose="020F0502020204030204" pitchFamily="34" charset="0"/>
           <a:ea typeface="+mn-ea"/>
@@ -3587,7 +2831,10 @@
         <a:buChar char="•"/>
         <a:defRPr sz="1400" kern="1200">
           <a:solidFill>
-            <a:schemeClr val="tx1"/>
+            <a:schemeClr val="tx1">
+              <a:lumMod val="85000"/>
+              <a:lumOff val="15000"/>
+            </a:schemeClr>
           </a:solidFill>
           <a:latin typeface="Calibri" panose="020F0502020204030204" pitchFamily="34" charset="0"/>
           <a:ea typeface="+mn-ea"/>
@@ -3605,7 +2852,10 @@
         <a:buChar char="•"/>
         <a:defRPr sz="1400" kern="1200">
           <a:solidFill>
-            <a:schemeClr val="tx1"/>
+            <a:schemeClr val="tx1">
+              <a:lumMod val="85000"/>
+              <a:lumOff val="15000"/>
+            </a:schemeClr>
           </a:solidFill>
           <a:latin typeface="Calibri" panose="020F0502020204030204" pitchFamily="34" charset="0"/>
           <a:ea typeface="+mn-ea"/>
@@ -3806,7 +3056,7 @@
           <p:cNvPr id="2" name="Title 1">
             <a:extLst>
               <a:ext uri="{FF2B5EF4-FFF2-40B4-BE49-F238E27FC236}">
-                <a16:creationId xmlns:a16="http://schemas.microsoft.com/office/drawing/2014/main" id="{AB45B152-1D70-2D4C-73CB-70635FF2CDCA}"/>
+                <a16:creationId xmlns:a16="http://schemas.microsoft.com/office/drawing/2014/main" id="{96F3B3B0-F577-F89F-83F4-5CB023F6FFA8}"/>
               </a:ext>
             </a:extLst>
           </p:cNvPr>
@@ -3831,7 +3081,7 @@
           <p:cNvPr id="3" name="Subtitle 2">
             <a:extLst>
               <a:ext uri="{FF2B5EF4-FFF2-40B4-BE49-F238E27FC236}">
-                <a16:creationId xmlns:a16="http://schemas.microsoft.com/office/drawing/2014/main" id="{1C555A1C-5342-200B-4EB8-B2284BBA1372}"/>
+                <a16:creationId xmlns:a16="http://schemas.microsoft.com/office/drawing/2014/main" id="{3C913630-6949-5C32-33D0-81D0146C9E24}"/>
               </a:ext>
             </a:extLst>
           </p:cNvPr>
@@ -3844,9 +3094,38 @@
         </p:nvSpPr>
         <p:spPr/>
         <p:txBody>
+          <a:bodyPr anchor="b"/>
+          <a:lstStyle/>
+          <a:p>
+            <a:endParaRPr lang="en-US" dirty="0"/>
+          </a:p>
+        </p:txBody>
+      </p:sp>
+      <p:sp>
+        <p:nvSpPr>
+          <p:cNvPr id="4" name="Date Placeholder 3">
+            <a:extLst>
+              <a:ext uri="{FF2B5EF4-FFF2-40B4-BE49-F238E27FC236}">
+                <a16:creationId xmlns:a16="http://schemas.microsoft.com/office/drawing/2014/main" id="{C921F3CA-A7D8-77B9-17C9-854F77D7F797}"/>
+              </a:ext>
+            </a:extLst>
+          </p:cNvPr>
+          <p:cNvSpPr>
+            <a:spLocks noGrp="1"/>
+          </p:cNvSpPr>
+          <p:nvPr>
+            <p:ph type="dt" sz="half" idx="10"/>
+          </p:nvPr>
+        </p:nvSpPr>
+        <p:spPr/>
+        <p:txBody>
           <a:bodyPr/>
           <a:lstStyle/>
           <a:p>
+            <a:fld id="{850D6EA5-FC41-D74F-845C-E11B812999E9}" type="datetime4">
+              <a:rPr lang="en-US" smtClean="0"/>
+              <a:t>July 5, 2023</a:t>
+            </a:fld>
             <a:endParaRPr lang="en-US" dirty="0"/>
           </a:p>
         </p:txBody>
@@ -3854,7 +3133,7 @@
     </p:spTree>
     <p:extLst>
       <p:ext uri="{BB962C8B-B14F-4D97-AF65-F5344CB8AC3E}">
-        <p14:creationId xmlns:p14="http://schemas.microsoft.com/office/powerpoint/2010/main" val="2328704639"/>
+        <p14:creationId xmlns:p14="http://schemas.microsoft.com/office/powerpoint/2010/main" val="2468418797"/>
       </p:ext>
     </p:extLst>
   </p:cSld>
